--- a/Funcional/clase2/Funcional.pptx
+++ b/Funcional/clase2/Funcional.pptx
@@ -106,67 +106,7 @@
               <a:rPr b="0" lang="es-AR" sz="4400" spc="-1" strike="noStrike">
                 <a:latin typeface="Arial"/>
               </a:rPr>
-              <a:t>Pul</a:t>
-            </a:r>
-            <a:r>
-              <a:rPr b="0" lang="es-AR" sz="4400" spc="-1" strike="noStrike">
-                <a:latin typeface="Arial"/>
-              </a:rPr>
-              <a:t>se </a:t>
-            </a:r>
-            <a:r>
-              <a:rPr b="0" lang="es-AR" sz="4400" spc="-1" strike="noStrike">
-                <a:latin typeface="Arial"/>
-              </a:rPr>
-              <a:t>par</a:t>
-            </a:r>
-            <a:r>
-              <a:rPr b="0" lang="es-AR" sz="4400" spc="-1" strike="noStrike">
-                <a:latin typeface="Arial"/>
-              </a:rPr>
-              <a:t>a </a:t>
-            </a:r>
-            <a:r>
-              <a:rPr b="0" lang="es-AR" sz="4400" spc="-1" strike="noStrike">
-                <a:latin typeface="Arial"/>
-              </a:rPr>
-              <a:t>des</a:t>
-            </a:r>
-            <a:r>
-              <a:rPr b="0" lang="es-AR" sz="4400" spc="-1" strike="noStrike">
-                <a:latin typeface="Arial"/>
-              </a:rPr>
-              <a:t>pla</a:t>
-            </a:r>
-            <a:r>
-              <a:rPr b="0" lang="es-AR" sz="4400" spc="-1" strike="noStrike">
-                <a:latin typeface="Arial"/>
-              </a:rPr>
-              <a:t>zar </a:t>
-            </a:r>
-            <a:r>
-              <a:rPr b="0" lang="es-AR" sz="4400" spc="-1" strike="noStrike">
-                <a:latin typeface="Arial"/>
-              </a:rPr>
-              <a:t>la </a:t>
-            </a:r>
-            <a:r>
-              <a:rPr b="0" lang="es-AR" sz="4400" spc="-1" strike="noStrike">
-                <a:latin typeface="Arial"/>
-              </a:rPr>
-              <a:t>dia</a:t>
-            </a:r>
-            <a:r>
-              <a:rPr b="0" lang="es-AR" sz="4400" spc="-1" strike="noStrike">
-                <a:latin typeface="Arial"/>
-              </a:rPr>
-              <a:t>pos</a:t>
-            </a:r>
-            <a:r>
-              <a:rPr b="0" lang="es-AR" sz="4400" spc="-1" strike="noStrike">
-                <a:latin typeface="Arial"/>
-              </a:rPr>
-              <a:t>itiva</a:t>
+              <a:t>Pulse para desplazar la diapositiva</a:t>
             </a:r>
             <a:endParaRPr b="0" lang="es-AR" sz="4400" spc="-1" strike="noStrike">
               <a:latin typeface="Arial"/>
@@ -206,49 +146,7 @@
               <a:rPr b="0" lang="es-AR" sz="2000" spc="-1" strike="noStrike">
                 <a:latin typeface="Arial"/>
               </a:rPr>
-              <a:t>Pulse </a:t>
-            </a:r>
-            <a:r>
-              <a:rPr b="0" lang="es-AR" sz="2000" spc="-1" strike="noStrike">
-                <a:latin typeface="Arial"/>
-              </a:rPr>
-              <a:t>para </a:t>
-            </a:r>
-            <a:r>
-              <a:rPr b="0" lang="es-AR" sz="2000" spc="-1" strike="noStrike">
-                <a:latin typeface="Arial"/>
-              </a:rPr>
-              <a:t>editar </a:t>
-            </a:r>
-            <a:r>
-              <a:rPr b="0" lang="es-AR" sz="2000" spc="-1" strike="noStrike">
-                <a:latin typeface="Arial"/>
-              </a:rPr>
-              <a:t>el </a:t>
-            </a:r>
-            <a:r>
-              <a:rPr b="0" lang="es-AR" sz="2000" spc="-1" strike="noStrike">
-                <a:latin typeface="Arial"/>
-              </a:rPr>
-              <a:t>format</a:t>
-            </a:r>
-            <a:r>
-              <a:rPr b="0" lang="es-AR" sz="2000" spc="-1" strike="noStrike">
-                <a:latin typeface="Arial"/>
-              </a:rPr>
-              <a:t>o de </a:t>
-            </a:r>
-            <a:r>
-              <a:rPr b="0" lang="es-AR" sz="2000" spc="-1" strike="noStrike">
-                <a:latin typeface="Arial"/>
-              </a:rPr>
-              <a:t>las </a:t>
-            </a:r>
-            <a:r>
-              <a:rPr b="0" lang="es-AR" sz="2000" spc="-1" strike="noStrike">
-                <a:latin typeface="Arial"/>
-              </a:rPr>
-              <a:t>notas</a:t>
+              <a:t>Pulse para editar el formato de las notas</a:t>
             </a:r>
             <a:endParaRPr b="0" lang="es-AR" sz="2000" spc="-1" strike="noStrike">
               <a:latin typeface="Arial"/>
@@ -433,7 +331,7 @@
             <a:pPr algn="r">
               <a:buNone/>
             </a:pPr>
-            <a:fld id="{A6C0F65E-4F88-4F11-ADC7-F9D3920E592C}" type="slidenum">
+            <a:fld id="{B8AF8DEF-F4F0-40FE-905D-4BDB6E5B3E10}" type="slidenum">
               <a:rPr b="0" lang="es-AR" sz="1400" spc="-1" strike="noStrike">
                 <a:latin typeface="Times New Roman"/>
               </a:rPr>
@@ -481,7 +379,7 @@
         <p:spPr>
           <a:xfrm>
             <a:off x="381240" y="685800"/>
-            <a:ext cx="6094800" cy="3427920"/>
+            <a:ext cx="6094440" cy="3427560"/>
           </a:xfrm>
           <a:prstGeom prst="rect">
             <a:avLst/>
@@ -504,7 +402,7 @@
         <p:spPr>
           <a:xfrm>
             <a:off x="685800" y="4343400"/>
-            <a:ext cx="5485320" cy="4113720"/>
+            <a:ext cx="5484960" cy="4113360"/>
           </a:xfrm>
           <a:prstGeom prst="rect">
             <a:avLst/>
@@ -5310,7 +5208,7 @@
         <p:spPr>
           <a:xfrm>
             <a:off x="457200" y="273600"/>
-            <a:ext cx="8228880" cy="1144440"/>
+            <a:ext cx="8229240" cy="1144800"/>
           </a:xfrm>
           <a:prstGeom prst="rect">
             <a:avLst/>
@@ -5325,13 +5223,22 @@
             <a:noAutofit/>
           </a:bodyPr>
           <a:p>
-            <a:r>
-              <a:rPr b="0" lang="es-AR" sz="1800" spc="-1" strike="noStrike">
+            <a:pPr algn="ctr">
+              <a:buNone/>
+            </a:pPr>
+            <a:r>
+              <a:rPr b="0" lang="es-AR" sz="4400" spc="-1" strike="noStrike">
                 <a:latin typeface="Arial"/>
               </a:rPr>
-              <a:t>Pulse para editar el formato del texto de título</a:t>
-            </a:r>
-            <a:endParaRPr b="0" lang="es-AR" sz="1800" spc="-1" strike="noStrike">
+              <a:t>Pulse para editar el </a:t>
+            </a:r>
+            <a:r>
+              <a:rPr b="0" lang="es-AR" sz="4400" spc="-1" strike="noStrike">
+                <a:latin typeface="Arial"/>
+              </a:rPr>
+              <a:t>formato del texto de título</a:t>
+            </a:r>
+            <a:endParaRPr b="0" lang="es-AR" sz="4400" spc="-1" strike="noStrike">
               <a:latin typeface="Arial"/>
             </a:endParaRPr>
           </a:p>
@@ -5350,7 +5257,7 @@
         <p:spPr>
           <a:xfrm>
             <a:off x="457200" y="1604520"/>
-            <a:ext cx="8228880" cy="3976920"/>
+            <a:ext cx="8229240" cy="3977280"/>
           </a:xfrm>
           <a:prstGeom prst="rect">
             <a:avLst/>
@@ -5377,12 +5284,12 @@
               <a:buChar char=""/>
             </a:pPr>
             <a:r>
-              <a:rPr b="0" lang="es-AR" sz="1800" spc="-1" strike="noStrike">
+              <a:rPr b="0" lang="es-AR" sz="3200" spc="-1" strike="noStrike">
                 <a:latin typeface="Arial"/>
               </a:rPr>
               <a:t>Pulse para editar el formato de texto del esquema</a:t>
             </a:r>
-            <a:endParaRPr b="0" lang="es-AR" sz="1800" spc="-1" strike="noStrike">
+            <a:endParaRPr b="0" lang="es-AR" sz="3200" spc="-1" strike="noStrike">
               <a:latin typeface="Arial"/>
             </a:endParaRPr>
           </a:p>
@@ -5399,12 +5306,12 @@
               <a:buChar char=""/>
             </a:pPr>
             <a:r>
-              <a:rPr b="0" lang="es-AR" sz="1800" spc="-1" strike="noStrike">
+              <a:rPr b="0" lang="es-AR" sz="2800" spc="-1" strike="noStrike">
                 <a:latin typeface="Arial"/>
               </a:rPr>
               <a:t>Segundo nivel del esquema</a:t>
             </a:r>
-            <a:endParaRPr b="0" lang="es-AR" sz="1800" spc="-1" strike="noStrike">
+            <a:endParaRPr b="0" lang="es-AR" sz="2800" spc="-1" strike="noStrike">
               <a:latin typeface="Arial"/>
             </a:endParaRPr>
           </a:p>
@@ -5421,12 +5328,12 @@
               <a:buChar char=""/>
             </a:pPr>
             <a:r>
-              <a:rPr b="0" lang="es-AR" sz="1800" spc="-1" strike="noStrike">
+              <a:rPr b="0" lang="es-AR" sz="2400" spc="-1" strike="noStrike">
                 <a:latin typeface="Arial"/>
               </a:rPr>
               <a:t>Tercer nivel del esquema</a:t>
             </a:r>
-            <a:endParaRPr b="0" lang="es-AR" sz="1800" spc="-1" strike="noStrike">
+            <a:endParaRPr b="0" lang="es-AR" sz="2400" spc="-1" strike="noStrike">
               <a:latin typeface="Arial"/>
             </a:endParaRPr>
           </a:p>
@@ -5443,12 +5350,12 @@
               <a:buChar char=""/>
             </a:pPr>
             <a:r>
-              <a:rPr b="0" lang="es-AR" sz="1800" spc="-1" strike="noStrike">
+              <a:rPr b="0" lang="es-AR" sz="2000" spc="-1" strike="noStrike">
                 <a:latin typeface="Arial"/>
               </a:rPr>
               <a:t>Cuarto nivel del esquema</a:t>
             </a:r>
-            <a:endParaRPr b="0" lang="es-AR" sz="1800" spc="-1" strike="noStrike">
+            <a:endParaRPr b="0" lang="es-AR" sz="2000" spc="-1" strike="noStrike">
               <a:latin typeface="Arial"/>
             </a:endParaRPr>
           </a:p>
@@ -5465,12 +5372,12 @@
               <a:buChar char=""/>
             </a:pPr>
             <a:r>
-              <a:rPr b="0" lang="es-AR" sz="1800" spc="-1" strike="noStrike">
+              <a:rPr b="0" lang="es-AR" sz="2000" spc="-1" strike="noStrike">
                 <a:latin typeface="Arial"/>
               </a:rPr>
               <a:t>Quinto nivel del esquema</a:t>
             </a:r>
-            <a:endParaRPr b="0" lang="es-AR" sz="1800" spc="-1" strike="noStrike">
+            <a:endParaRPr b="0" lang="es-AR" sz="2000" spc="-1" strike="noStrike">
               <a:latin typeface="Arial"/>
             </a:endParaRPr>
           </a:p>
@@ -5487,12 +5394,12 @@
               <a:buChar char=""/>
             </a:pPr>
             <a:r>
-              <a:rPr b="0" lang="es-AR" sz="1800" spc="-1" strike="noStrike">
+              <a:rPr b="0" lang="es-AR" sz="2000" spc="-1" strike="noStrike">
                 <a:latin typeface="Arial"/>
               </a:rPr>
               <a:t>Sexto nivel del esquema</a:t>
             </a:r>
-            <a:endParaRPr b="0" lang="es-AR" sz="1800" spc="-1" strike="noStrike">
+            <a:endParaRPr b="0" lang="es-AR" sz="2000" spc="-1" strike="noStrike">
               <a:latin typeface="Arial"/>
             </a:endParaRPr>
           </a:p>
@@ -5509,12 +5416,12 @@
               <a:buChar char=""/>
             </a:pPr>
             <a:r>
-              <a:rPr b="0" lang="es-AR" sz="1800" spc="-1" strike="noStrike">
+              <a:rPr b="0" lang="es-AR" sz="2000" spc="-1" strike="noStrike">
                 <a:latin typeface="Arial"/>
               </a:rPr>
               <a:t>Séptimo nivel del esquema</a:t>
             </a:r>
-            <a:endParaRPr b="0" lang="es-AR" sz="1800" spc="-1" strike="noStrike">
+            <a:endParaRPr b="0" lang="es-AR" sz="2000" spc="-1" strike="noStrike">
               <a:latin typeface="Arial"/>
             </a:endParaRPr>
           </a:p>
@@ -5599,13 +5506,7 @@
               <a:rPr b="0" lang="es-AR" sz="4400" spc="-1" strike="noStrike">
                 <a:latin typeface="Arial"/>
               </a:rPr>
-              <a:t>Pulse para editar el formato del </a:t>
-            </a:r>
-            <a:r>
-              <a:rPr b="0" lang="es-AR" sz="4400" spc="-1" strike="noStrike">
-                <a:latin typeface="Arial"/>
-              </a:rPr>
-              <a:t>texto de título</a:t>
+              <a:t>Pulse para editar el formato del texto de título</a:t>
             </a:r>
             <a:endParaRPr b="0" lang="es-AR" sz="4400" spc="-1" strike="noStrike">
               <a:latin typeface="Arial"/>
@@ -5875,97 +5776,7 @@
               <a:rPr b="0" lang="es-AR" sz="4400" spc="-1" strike="noStrike">
                 <a:latin typeface="Arial"/>
               </a:rPr>
-              <a:t>Pul</a:t>
-            </a:r>
-            <a:r>
-              <a:rPr b="0" lang="es-AR" sz="4400" spc="-1" strike="noStrike">
-                <a:latin typeface="Arial"/>
-              </a:rPr>
-              <a:t>se </a:t>
-            </a:r>
-            <a:r>
-              <a:rPr b="0" lang="es-AR" sz="4400" spc="-1" strike="noStrike">
-                <a:latin typeface="Arial"/>
-              </a:rPr>
-              <a:t>par</a:t>
-            </a:r>
-            <a:r>
-              <a:rPr b="0" lang="es-AR" sz="4400" spc="-1" strike="noStrike">
-                <a:latin typeface="Arial"/>
-              </a:rPr>
-              <a:t>a </a:t>
-            </a:r>
-            <a:r>
-              <a:rPr b="0" lang="es-AR" sz="4400" spc="-1" strike="noStrike">
-                <a:latin typeface="Arial"/>
-              </a:rPr>
-              <a:t>edit</a:t>
-            </a:r>
-            <a:r>
-              <a:rPr b="0" lang="es-AR" sz="4400" spc="-1" strike="noStrike">
-                <a:latin typeface="Arial"/>
-              </a:rPr>
-              <a:t>ar </a:t>
-            </a:r>
-            <a:r>
-              <a:rPr b="0" lang="es-AR" sz="4400" spc="-1" strike="noStrike">
-                <a:latin typeface="Arial"/>
-              </a:rPr>
-              <a:t>el </a:t>
-            </a:r>
-            <a:r>
-              <a:rPr b="0" lang="es-AR" sz="4400" spc="-1" strike="noStrike">
-                <a:latin typeface="Arial"/>
-              </a:rPr>
-              <a:t>for</a:t>
-            </a:r>
-            <a:r>
-              <a:rPr b="0" lang="es-AR" sz="4400" spc="-1" strike="noStrike">
-                <a:latin typeface="Arial"/>
-              </a:rPr>
-              <a:t>mat</a:t>
-            </a:r>
-            <a:r>
-              <a:rPr b="0" lang="es-AR" sz="4400" spc="-1" strike="noStrike">
-                <a:latin typeface="Arial"/>
-              </a:rPr>
-              <a:t>o </a:t>
-            </a:r>
-            <a:r>
-              <a:rPr b="0" lang="es-AR" sz="4400" spc="-1" strike="noStrike">
-                <a:latin typeface="Arial"/>
-              </a:rPr>
-              <a:t>del </a:t>
-            </a:r>
-            <a:r>
-              <a:rPr b="0" lang="es-AR" sz="4400" spc="-1" strike="noStrike">
-                <a:latin typeface="Arial"/>
-              </a:rPr>
-              <a:t>text</a:t>
-            </a:r>
-            <a:r>
-              <a:rPr b="0" lang="es-AR" sz="4400" spc="-1" strike="noStrike">
-                <a:latin typeface="Arial"/>
-              </a:rPr>
-              <a:t>o </a:t>
-            </a:r>
-            <a:r>
-              <a:rPr b="0" lang="es-AR" sz="4400" spc="-1" strike="noStrike">
-                <a:latin typeface="Arial"/>
-              </a:rPr>
-              <a:t>de </a:t>
-            </a:r>
-            <a:r>
-              <a:rPr b="0" lang="es-AR" sz="4400" spc="-1" strike="noStrike">
-                <a:latin typeface="Arial"/>
-              </a:rPr>
-              <a:t>títul</a:t>
-            </a:r>
-            <a:r>
-              <a:rPr b="0" lang="es-AR" sz="4400" spc="-1" strike="noStrike">
-                <a:latin typeface="Arial"/>
-              </a:rPr>
-              <a:t>o</a:t>
+              <a:t>Pulse para editar el formato del texto de título</a:t>
             </a:r>
             <a:endParaRPr b="0" lang="es-AR" sz="4400" spc="-1" strike="noStrike">
               <a:latin typeface="Arial"/>
@@ -6206,7 +6017,7 @@
         <p:spPr>
           <a:xfrm>
             <a:off x="0" y="0"/>
-            <a:ext cx="9142920" cy="6856920"/>
+            <a:ext cx="9142560" cy="6856560"/>
           </a:xfrm>
           <a:prstGeom prst="rect">
             <a:avLst/>
@@ -6225,7 +6036,7 @@
         <p:spPr>
           <a:xfrm>
             <a:off x="685800" y="1159560"/>
-            <a:ext cx="7771320" cy="1468800"/>
+            <a:ext cx="7770960" cy="1468440"/>
           </a:xfrm>
           <a:prstGeom prst="rect">
             <a:avLst/>
@@ -6277,7 +6088,7 @@
         <p:spPr>
           <a:xfrm>
             <a:off x="685800" y="3624480"/>
-            <a:ext cx="6399720" cy="824400"/>
+            <a:ext cx="6399360" cy="824040"/>
           </a:xfrm>
           <a:prstGeom prst="rect">
             <a:avLst/>
@@ -6363,7 +6174,7 @@
         <p:spPr>
           <a:xfrm>
             <a:off x="311760" y="1302120"/>
-            <a:ext cx="8519400" cy="571680"/>
+            <a:ext cx="8519040" cy="571320"/>
           </a:xfrm>
           <a:prstGeom prst="rect">
             <a:avLst/>
@@ -6455,7 +6266,7 @@
         <p:spPr>
           <a:xfrm>
             <a:off x="311760" y="2009880"/>
-            <a:ext cx="8519400" cy="794520"/>
+            <a:ext cx="8519040" cy="794160"/>
           </a:xfrm>
           <a:prstGeom prst="rect">
             <a:avLst/>
@@ -6574,7 +6385,7 @@
         <p:spPr>
           <a:xfrm>
             <a:off x="311760" y="2940120"/>
-            <a:ext cx="8519400" cy="2173320"/>
+            <a:ext cx="8519040" cy="2172960"/>
           </a:xfrm>
           <a:prstGeom prst="rect">
             <a:avLst/>
@@ -6785,7 +6596,7 @@
         <p:spPr>
           <a:xfrm>
             <a:off x="311760" y="681840"/>
-            <a:ext cx="8519400" cy="571680"/>
+            <a:ext cx="8519040" cy="571320"/>
           </a:xfrm>
           <a:prstGeom prst="rect">
             <a:avLst/>
@@ -6837,7 +6648,7 @@
         <p:spPr>
           <a:xfrm>
             <a:off x="311760" y="2009880"/>
-            <a:ext cx="8519400" cy="3415320"/>
+            <a:ext cx="8519040" cy="3414960"/>
           </a:xfrm>
           <a:prstGeom prst="rect">
             <a:avLst/>
@@ -6938,7 +6749,7 @@
         <p:spPr>
           <a:xfrm>
             <a:off x="311760" y="681840"/>
-            <a:ext cx="8519400" cy="571680"/>
+            <a:ext cx="8519040" cy="571320"/>
           </a:xfrm>
           <a:prstGeom prst="rect">
             <a:avLst/>
@@ -6990,7 +6801,7 @@
         <p:spPr>
           <a:xfrm>
             <a:off x="311760" y="2009880"/>
-            <a:ext cx="8519400" cy="794520"/>
+            <a:ext cx="8519040" cy="794160"/>
           </a:xfrm>
           <a:prstGeom prst="rect">
             <a:avLst/>
@@ -7099,7 +6910,7 @@
         <p:spPr>
           <a:xfrm>
             <a:off x="311760" y="2940120"/>
-            <a:ext cx="8519400" cy="2173320"/>
+            <a:ext cx="8519040" cy="2172960"/>
           </a:xfrm>
           <a:prstGeom prst="rect">
             <a:avLst/>
@@ -7480,7 +7291,7 @@
         <p:spPr>
           <a:xfrm>
             <a:off x="311760" y="354960"/>
-            <a:ext cx="8519400" cy="571680"/>
+            <a:ext cx="8519040" cy="571320"/>
           </a:xfrm>
           <a:prstGeom prst="rect">
             <a:avLst/>
@@ -7532,7 +7343,7 @@
         <p:spPr>
           <a:xfrm>
             <a:off x="311760" y="2009880"/>
-            <a:ext cx="8519400" cy="3612600"/>
+            <a:ext cx="8519040" cy="3612240"/>
           </a:xfrm>
           <a:prstGeom prst="rect">
             <a:avLst/>
@@ -7800,7 +7611,7 @@
         <p:spPr>
           <a:xfrm>
             <a:off x="573480" y="290160"/>
-            <a:ext cx="8519400" cy="571680"/>
+            <a:ext cx="8519040" cy="571320"/>
           </a:xfrm>
           <a:prstGeom prst="rect">
             <a:avLst/>
@@ -7852,7 +7663,7 @@
         <p:spPr>
           <a:xfrm>
             <a:off x="311760" y="2009880"/>
-            <a:ext cx="8519400" cy="3801600"/>
+            <a:ext cx="8519040" cy="3801240"/>
           </a:xfrm>
           <a:prstGeom prst="rect">
             <a:avLst/>
@@ -8070,7 +7881,7 @@
         <p:spPr>
           <a:xfrm>
             <a:off x="410040" y="289440"/>
-            <a:ext cx="8519400" cy="571680"/>
+            <a:ext cx="8519040" cy="571320"/>
           </a:xfrm>
           <a:prstGeom prst="rect">
             <a:avLst/>
@@ -8122,7 +7933,7 @@
         <p:spPr>
           <a:xfrm>
             <a:off x="311760" y="3071520"/>
-            <a:ext cx="1196280" cy="571680"/>
+            <a:ext cx="1195920" cy="571320"/>
           </a:xfrm>
           <a:prstGeom prst="rect">
             <a:avLst/>
@@ -8177,7 +7988,7 @@
         <p:spPr>
           <a:xfrm>
             <a:off x="3973320" y="3071520"/>
-            <a:ext cx="1196280" cy="571680"/>
+            <a:ext cx="1195920" cy="571320"/>
           </a:xfrm>
           <a:prstGeom prst="rect">
             <a:avLst/>
@@ -8232,7 +8043,7 @@
         <p:spPr>
           <a:xfrm>
             <a:off x="7634880" y="3071520"/>
-            <a:ext cx="1196280" cy="571680"/>
+            <a:ext cx="1195920" cy="571320"/>
           </a:xfrm>
           <a:prstGeom prst="rect">
             <a:avLst/>
@@ -8287,7 +8098,7 @@
         <p:spPr>
           <a:xfrm>
             <a:off x="2142360" y="3071520"/>
-            <a:ext cx="1196280" cy="571680"/>
+            <a:ext cx="1195920" cy="571320"/>
           </a:xfrm>
           <a:prstGeom prst="rect">
             <a:avLst/>
@@ -8342,7 +8153,7 @@
         <p:spPr>
           <a:xfrm>
             <a:off x="5804280" y="3071520"/>
-            <a:ext cx="1196280" cy="571680"/>
+            <a:ext cx="1195920" cy="571320"/>
           </a:xfrm>
           <a:prstGeom prst="rect">
             <a:avLst/>
@@ -8397,7 +8208,7 @@
         <p:spPr>
           <a:xfrm>
             <a:off x="311760" y="3778920"/>
-            <a:ext cx="8519400" cy="1647720"/>
+            <a:ext cx="8519040" cy="1647360"/>
           </a:xfrm>
           <a:prstGeom prst="rect">
             <a:avLst/>
@@ -8506,7 +8317,7 @@
         <p:spPr>
           <a:xfrm>
             <a:off x="3678840" y="3521880"/>
-            <a:ext cx="1785600" cy="845640"/>
+            <a:ext cx="1785240" cy="845280"/>
           </a:xfrm>
           <a:prstGeom prst="rect">
             <a:avLst/>
@@ -8571,7 +8382,7 @@
         <p:spPr>
           <a:xfrm>
             <a:off x="312480" y="632880"/>
-            <a:ext cx="8519400" cy="571680"/>
+            <a:ext cx="8519040" cy="571320"/>
           </a:xfrm>
           <a:prstGeom prst="rect">
             <a:avLst/>
@@ -8623,7 +8434,7 @@
         <p:spPr>
           <a:xfrm>
             <a:off x="311760" y="2515680"/>
-            <a:ext cx="1196280" cy="571680"/>
+            <a:ext cx="1195920" cy="571320"/>
           </a:xfrm>
           <a:prstGeom prst="rect">
             <a:avLst/>
@@ -8678,7 +8489,7 @@
         <p:spPr>
           <a:xfrm>
             <a:off x="3973320" y="2515680"/>
-            <a:ext cx="1196280" cy="571680"/>
+            <a:ext cx="1195920" cy="571320"/>
           </a:xfrm>
           <a:prstGeom prst="rect">
             <a:avLst/>
@@ -8733,7 +8544,7 @@
         <p:spPr>
           <a:xfrm>
             <a:off x="7634880" y="2515680"/>
-            <a:ext cx="1196280" cy="571680"/>
+            <a:ext cx="1195920" cy="571320"/>
           </a:xfrm>
           <a:prstGeom prst="rect">
             <a:avLst/>
@@ -8788,7 +8599,7 @@
         <p:spPr>
           <a:xfrm>
             <a:off x="4025520" y="3683160"/>
-            <a:ext cx="403200" cy="434520"/>
+            <a:ext cx="402840" cy="434160"/>
           </a:xfrm>
           <a:prstGeom prst="flowChartConnector">
             <a:avLst/>
@@ -8814,7 +8625,7 @@
         <p:spPr>
           <a:xfrm>
             <a:off x="2142360" y="2515680"/>
-            <a:ext cx="1196280" cy="571680"/>
+            <a:ext cx="1195920" cy="571320"/>
           </a:xfrm>
           <a:prstGeom prst="rect">
             <a:avLst/>
@@ -8869,7 +8680,7 @@
         <p:spPr>
           <a:xfrm>
             <a:off x="5804280" y="2515680"/>
-            <a:ext cx="1196280" cy="571680"/>
+            <a:ext cx="1195920" cy="571320"/>
           </a:xfrm>
           <a:prstGeom prst="rect">
             <a:avLst/>
@@ -8923,8 +8734,8 @@
         </p:nvSpPr>
         <p:spPr>
           <a:xfrm flipV="1" rot="5400000">
-            <a:off x="1874160" y="1749600"/>
-            <a:ext cx="876960" cy="3423600"/>
+            <a:off x="1874160" y="1749240"/>
+            <a:ext cx="876600" cy="3423240"/>
           </a:xfrm>
           <a:prstGeom prst="curvedConnector2">
             <a:avLst/>
@@ -8953,8 +8764,8 @@
         </p:nvSpPr>
         <p:spPr>
           <a:xfrm flipV="1" rot="5400000">
-            <a:off x="2920320" y="2583360"/>
-            <a:ext cx="722880" cy="1603080"/>
+            <a:off x="2920320" y="2583000"/>
+            <a:ext cx="722520" cy="1602720"/>
           </a:xfrm>
           <a:prstGeom prst="curvedConnector3">
             <a:avLst>
@@ -8985,8 +8796,8 @@
         </p:nvSpPr>
         <p:spPr>
           <a:xfrm rot="5400000">
-            <a:off x="3919680" y="3332520"/>
-            <a:ext cx="659160" cy="40680"/>
+            <a:off x="3920040" y="3332520"/>
+            <a:ext cx="658800" cy="40320"/>
           </a:xfrm>
           <a:prstGeom prst="curvedConnector3">
             <a:avLst>
@@ -9017,8 +8828,8 @@
         </p:nvSpPr>
         <p:spPr>
           <a:xfrm rot="5400000">
-            <a:off x="4883400" y="2511360"/>
-            <a:ext cx="722880" cy="1746360"/>
+            <a:off x="4883760" y="2511360"/>
+            <a:ext cx="722520" cy="1746000"/>
           </a:xfrm>
           <a:prstGeom prst="curvedConnector3">
             <a:avLst>
@@ -9049,8 +8860,8 @@
         </p:nvSpPr>
         <p:spPr>
           <a:xfrm rot="5400000">
-            <a:off x="5550480" y="1700640"/>
-            <a:ext cx="1094760" cy="3737880"/>
+            <a:off x="5550840" y="1700280"/>
+            <a:ext cx="1094400" cy="3737520"/>
           </a:xfrm>
           <a:prstGeom prst="curvedConnector3">
             <a:avLst>
@@ -9082,7 +8893,7 @@
         <p:spPr>
           <a:xfrm>
             <a:off x="440280" y="2646000"/>
-            <a:ext cx="319320" cy="376200"/>
+            <a:ext cx="318960" cy="375840"/>
           </a:xfrm>
           <a:prstGeom prst="flowChartConnector">
             <a:avLst/>
@@ -9108,7 +8919,7 @@
         <p:spPr>
           <a:xfrm>
             <a:off x="2319840" y="2646000"/>
-            <a:ext cx="319320" cy="376200"/>
+            <a:ext cx="318960" cy="375840"/>
           </a:xfrm>
           <a:prstGeom prst="flowChartConnector">
             <a:avLst/>
@@ -9134,7 +8945,7 @@
         <p:spPr>
           <a:xfrm>
             <a:off x="4109040" y="2646000"/>
-            <a:ext cx="319320" cy="376200"/>
+            <a:ext cx="318960" cy="375840"/>
           </a:xfrm>
           <a:prstGeom prst="flowChartConnector">
             <a:avLst/>
@@ -9160,7 +8971,7 @@
         <p:spPr>
           <a:xfrm>
             <a:off x="5957640" y="2646000"/>
-            <a:ext cx="319320" cy="376200"/>
+            <a:ext cx="318960" cy="375840"/>
           </a:xfrm>
           <a:prstGeom prst="flowChartConnector">
             <a:avLst/>
@@ -9186,7 +8997,7 @@
         <p:spPr>
           <a:xfrm>
             <a:off x="7806240" y="2646000"/>
-            <a:ext cx="319320" cy="376200"/>
+            <a:ext cx="318960" cy="375840"/>
           </a:xfrm>
           <a:prstGeom prst="flowChartConnector">
             <a:avLst/>
@@ -9212,7 +9023,7 @@
         <p:spPr>
           <a:xfrm>
             <a:off x="312480" y="4713840"/>
-            <a:ext cx="8519400" cy="1371600"/>
+            <a:ext cx="8519040" cy="1371240"/>
           </a:xfrm>
           <a:prstGeom prst="rect">
             <a:avLst/>
@@ -9331,7 +9142,7 @@
         <p:spPr>
           <a:xfrm>
             <a:off x="442440" y="502200"/>
-            <a:ext cx="8519400" cy="571680"/>
+            <a:ext cx="8519040" cy="571320"/>
           </a:xfrm>
           <a:prstGeom prst="rect">
             <a:avLst/>
@@ -9403,7 +9214,7 @@
         <p:spPr>
           <a:xfrm>
             <a:off x="311760" y="1422360"/>
-            <a:ext cx="8519400" cy="794520"/>
+            <a:ext cx="8519040" cy="794160"/>
           </a:xfrm>
           <a:prstGeom prst="rect">
             <a:avLst/>
@@ -9512,7 +9323,7 @@
         <p:spPr>
           <a:xfrm>
             <a:off x="311760" y="2217960"/>
-            <a:ext cx="8519400" cy="2782800"/>
+            <a:ext cx="8519040" cy="2782440"/>
           </a:xfrm>
           <a:prstGeom prst="rect">
             <a:avLst/>
@@ -9721,7 +9532,7 @@
         <p:spPr>
           <a:xfrm>
             <a:off x="459000" y="502200"/>
-            <a:ext cx="8519400" cy="571680"/>
+            <a:ext cx="8519040" cy="571320"/>
           </a:xfrm>
           <a:prstGeom prst="rect">
             <a:avLst/>
@@ -9793,7 +9604,7 @@
         <p:spPr>
           <a:xfrm>
             <a:off x="311760" y="1356480"/>
-            <a:ext cx="8519400" cy="794520"/>
+            <a:ext cx="8519040" cy="794160"/>
           </a:xfrm>
           <a:prstGeom prst="rect">
             <a:avLst/>
@@ -9862,7 +9673,7 @@
         <p:spPr>
           <a:xfrm>
             <a:off x="311760" y="1937880"/>
-            <a:ext cx="8519400" cy="2980800"/>
+            <a:ext cx="8519040" cy="2980440"/>
           </a:xfrm>
           <a:prstGeom prst="rect">
             <a:avLst/>
@@ -10099,7 +9910,7 @@
         <p:spPr>
           <a:xfrm>
             <a:off x="311760" y="714240"/>
-            <a:ext cx="8519400" cy="571680"/>
+            <a:ext cx="8519040" cy="571320"/>
           </a:xfrm>
           <a:prstGeom prst="rect">
             <a:avLst/>
@@ -10151,7 +9962,7 @@
         <p:spPr>
           <a:xfrm>
             <a:off x="311760" y="1744200"/>
-            <a:ext cx="8519400" cy="3873240"/>
+            <a:ext cx="8519040" cy="3872880"/>
           </a:xfrm>
           <a:prstGeom prst="rect">
             <a:avLst/>
@@ -10395,7 +10206,7 @@
         <p:spPr>
           <a:xfrm>
             <a:off x="311760" y="1302120"/>
-            <a:ext cx="8519400" cy="571680"/>
+            <a:ext cx="8519040" cy="571320"/>
           </a:xfrm>
           <a:prstGeom prst="rect">
             <a:avLst/>
@@ -10467,7 +10278,7 @@
         <p:spPr>
           <a:xfrm>
             <a:off x="5769360" y="1996200"/>
-            <a:ext cx="2358720" cy="3060000"/>
+            <a:ext cx="2358360" cy="3059640"/>
           </a:xfrm>
           <a:prstGeom prst="ellipse">
             <a:avLst/>
@@ -10498,7 +10309,7 @@
         <p:spPr>
           <a:xfrm>
             <a:off x="6813720" y="2474280"/>
-            <a:ext cx="270360" cy="317520"/>
+            <a:ext cx="270000" cy="317160"/>
           </a:xfrm>
           <a:prstGeom prst="flowChartConnector">
             <a:avLst/>
@@ -10529,7 +10340,7 @@
         <p:spPr>
           <a:xfrm>
             <a:off x="6813720" y="4018320"/>
-            <a:ext cx="270360" cy="317520"/>
+            <a:ext cx="270000" cy="317160"/>
           </a:xfrm>
           <a:prstGeom prst="flowChartConnector">
             <a:avLst/>
@@ -10560,7 +10371,7 @@
         <p:spPr>
           <a:xfrm>
             <a:off x="6393600" y="3381120"/>
-            <a:ext cx="270360" cy="317520"/>
+            <a:ext cx="270000" cy="317160"/>
           </a:xfrm>
           <a:prstGeom prst="flowChartConnector">
             <a:avLst/>
@@ -10591,7 +10402,7 @@
         <p:spPr>
           <a:xfrm>
             <a:off x="311760" y="2009880"/>
-            <a:ext cx="4856040" cy="3415320"/>
+            <a:ext cx="4855680" cy="3414960"/>
           </a:xfrm>
           <a:prstGeom prst="rect">
             <a:avLst/>
@@ -10768,7 +10579,7 @@
         <p:spPr>
           <a:xfrm>
             <a:off x="6577560" y="2155680"/>
-            <a:ext cx="742320" cy="317520"/>
+            <a:ext cx="741960" cy="317160"/>
           </a:xfrm>
           <a:prstGeom prst="rect">
             <a:avLst/>
@@ -10785,7 +10596,7 @@
           <a:fontRef idx="minor"/>
         </p:style>
         <p:txBody>
-          <a:bodyPr lIns="90000" rIns="90000" tIns="182880" bIns="182880" anchor="t">
+          <a:bodyPr lIns="90000" rIns="90000" tIns="317520" bIns="317520" anchor="t">
             <a:noAutofit/>
           </a:bodyPr>
           <a:p>
@@ -10820,7 +10631,7 @@
         <p:spPr>
           <a:xfrm>
             <a:off x="5996880" y="5115240"/>
-            <a:ext cx="1904400" cy="351000"/>
+            <a:ext cx="1904040" cy="350640"/>
           </a:xfrm>
           <a:prstGeom prst="rect">
             <a:avLst/>
@@ -10837,7 +10648,7 @@
           <a:fontRef idx="minor"/>
         </p:style>
         <p:txBody>
-          <a:bodyPr lIns="90000" rIns="90000" tIns="182880" bIns="182880" anchor="t">
+          <a:bodyPr lIns="90000" rIns="90000" tIns="351360" bIns="351360" anchor="t">
             <a:noAutofit/>
           </a:bodyPr>
           <a:p>
@@ -10902,7 +10713,7 @@
         <p:spPr>
           <a:xfrm>
             <a:off x="311760" y="453240"/>
-            <a:ext cx="8519400" cy="571680"/>
+            <a:ext cx="8519040" cy="571320"/>
           </a:xfrm>
           <a:prstGeom prst="rect">
             <a:avLst/>
@@ -10954,7 +10765,7 @@
         <p:spPr>
           <a:xfrm>
             <a:off x="311760" y="1403640"/>
-            <a:ext cx="8519400" cy="4049280"/>
+            <a:ext cx="8519040" cy="4048920"/>
           </a:xfrm>
           <a:prstGeom prst="rect">
             <a:avLst/>
@@ -11216,7 +11027,7 @@
         <p:spPr>
           <a:xfrm>
             <a:off x="311760" y="453240"/>
-            <a:ext cx="8519400" cy="571680"/>
+            <a:ext cx="8519040" cy="571320"/>
           </a:xfrm>
           <a:prstGeom prst="rect">
             <a:avLst/>
@@ -11268,7 +11079,7 @@
         <p:spPr>
           <a:xfrm>
             <a:off x="164520" y="5434200"/>
-            <a:ext cx="8519400" cy="1613160"/>
+            <a:ext cx="8519040" cy="1612800"/>
           </a:xfrm>
           <a:prstGeom prst="rect">
             <a:avLst/>
@@ -11320,7 +11131,7 @@
         <p:spPr>
           <a:xfrm>
             <a:off x="311760" y="1287000"/>
-            <a:ext cx="8519400" cy="2212200"/>
+            <a:ext cx="8519040" cy="2211840"/>
           </a:xfrm>
           <a:prstGeom prst="rect">
             <a:avLst/>
@@ -11527,7 +11338,7 @@
         <p:spPr>
           <a:xfrm>
             <a:off x="1109880" y="576000"/>
-            <a:ext cx="6593400" cy="571680"/>
+            <a:ext cx="6593040" cy="571320"/>
           </a:xfrm>
           <a:prstGeom prst="rect">
             <a:avLst/>
@@ -11579,7 +11390,7 @@
         <p:spPr>
           <a:xfrm>
             <a:off x="335880" y="1523880"/>
-            <a:ext cx="8519400" cy="2795400"/>
+            <a:ext cx="8519040" cy="2795040"/>
           </a:xfrm>
           <a:prstGeom prst="rect">
             <a:avLst/>
@@ -11765,7 +11576,7 @@
         <p:spPr>
           <a:xfrm>
             <a:off x="311760" y="326520"/>
-            <a:ext cx="8519400" cy="762480"/>
+            <a:ext cx="8519040" cy="762120"/>
           </a:xfrm>
           <a:prstGeom prst="rect">
             <a:avLst/>
@@ -11817,7 +11628,7 @@
         <p:spPr>
           <a:xfrm>
             <a:off x="311760" y="1708560"/>
-            <a:ext cx="8519400" cy="4554000"/>
+            <a:ext cx="8519040" cy="4553640"/>
           </a:xfrm>
           <a:prstGeom prst="rect">
             <a:avLst/>
@@ -11903,7 +11714,7 @@
         <p:spPr>
           <a:xfrm>
             <a:off x="457200" y="1632960"/>
-            <a:ext cx="8228160" cy="3975840"/>
+            <a:ext cx="8227800" cy="3975480"/>
           </a:xfrm>
           <a:prstGeom prst="rect">
             <a:avLst/>
@@ -12016,7 +11827,7 @@
         <p:spPr>
           <a:xfrm>
             <a:off x="457200" y="1632960"/>
-            <a:ext cx="8228160" cy="3975840"/>
+            <a:ext cx="8227800" cy="3975480"/>
           </a:xfrm>
           <a:prstGeom prst="rect">
             <a:avLst/>
@@ -12261,7 +12072,7 @@
         <p:spPr>
           <a:xfrm>
             <a:off x="457200" y="1268280"/>
-            <a:ext cx="8228160" cy="4703400"/>
+            <a:ext cx="8227800" cy="4703040"/>
           </a:xfrm>
           <a:prstGeom prst="rect">
             <a:avLst/>
@@ -12616,7 +12427,7 @@
         <p:spPr>
           <a:xfrm>
             <a:off x="457200" y="1436400"/>
-            <a:ext cx="8228160" cy="4367520"/>
+            <a:ext cx="8227800" cy="4367160"/>
           </a:xfrm>
           <a:prstGeom prst="rect">
             <a:avLst/>
@@ -12909,7 +12720,7 @@
         <p:spPr>
           <a:xfrm>
             <a:off x="457200" y="522720"/>
-            <a:ext cx="6530040" cy="651960"/>
+            <a:ext cx="6529680" cy="651600"/>
           </a:xfrm>
           <a:prstGeom prst="rect">
             <a:avLst/>
@@ -12961,7 +12772,7 @@
         <p:spPr>
           <a:xfrm>
             <a:off x="457200" y="1632960"/>
-            <a:ext cx="8228160" cy="3975840"/>
+            <a:ext cx="8227800" cy="3975480"/>
           </a:xfrm>
           <a:prstGeom prst="rect">
             <a:avLst/>
@@ -13417,7 +13228,7 @@
         <p:spPr>
           <a:xfrm>
             <a:off x="457200" y="522720"/>
-            <a:ext cx="6530040" cy="651960"/>
+            <a:ext cx="6529680" cy="651600"/>
           </a:xfrm>
           <a:prstGeom prst="rect">
             <a:avLst/>
@@ -13469,7 +13280,7 @@
         <p:spPr>
           <a:xfrm>
             <a:off x="457200" y="1632960"/>
-            <a:ext cx="8228160" cy="3975840"/>
+            <a:ext cx="8227800" cy="3975480"/>
           </a:xfrm>
           <a:prstGeom prst="rect">
             <a:avLst/>
@@ -13657,7 +13468,7 @@
         <p:spPr>
           <a:xfrm>
             <a:off x="311760" y="357480"/>
-            <a:ext cx="8519400" cy="571680"/>
+            <a:ext cx="8519040" cy="571320"/>
           </a:xfrm>
           <a:prstGeom prst="rect">
             <a:avLst/>
@@ -13732,7 +13543,7 @@
         <p:spPr>
           <a:xfrm>
             <a:off x="4565160" y="2009880"/>
-            <a:ext cx="4266000" cy="3415320"/>
+            <a:ext cx="4265640" cy="3414960"/>
           </a:xfrm>
           <a:prstGeom prst="rect">
             <a:avLst/>
@@ -13909,7 +13720,7 @@
         <p:spPr>
           <a:xfrm>
             <a:off x="1179720" y="1996200"/>
-            <a:ext cx="2358720" cy="3060000"/>
+            <a:ext cx="2358360" cy="3059640"/>
           </a:xfrm>
           <a:prstGeom prst="ellipse">
             <a:avLst/>
@@ -13940,9 +13751,9 @@
         <p:grpSpPr>
           <a:xfrm>
             <a:off x="1608120" y="2250360"/>
-            <a:ext cx="937440" cy="636120"/>
+            <a:ext cx="937080" cy="635760"/>
             <a:chOff x="1608120" y="2250360"/>
-            <a:chExt cx="937440" cy="636120"/>
+            <a:chExt cx="937080" cy="635760"/>
           </a:xfrm>
         </p:grpSpPr>
         <p:sp>
@@ -13954,7 +13765,7 @@
           <p:spPr>
             <a:xfrm>
               <a:off x="1913400" y="2568960"/>
-              <a:ext cx="270360" cy="317520"/>
+              <a:ext cx="270000" cy="317160"/>
             </a:xfrm>
             <a:prstGeom prst="flowChartConnector">
               <a:avLst/>
@@ -13985,7 +13796,7 @@
           <p:spPr>
             <a:xfrm>
               <a:off x="1608120" y="2250360"/>
-              <a:ext cx="937440" cy="317520"/>
+              <a:ext cx="937080" cy="317160"/>
             </a:xfrm>
             <a:prstGeom prst="rect">
               <a:avLst/>
@@ -14002,7 +13813,7 @@
             <a:fontRef idx="minor"/>
           </p:style>
           <p:txBody>
-            <a:bodyPr lIns="90000" rIns="90000" tIns="182880" bIns="182880" anchor="t">
+            <a:bodyPr lIns="90000" rIns="90000" tIns="317520" bIns="317520" anchor="t">
               <a:noAutofit/>
             </a:bodyPr>
             <a:p>
@@ -14038,9 +13849,9 @@
         <p:grpSpPr>
           <a:xfrm>
             <a:off x="1705320" y="3930840"/>
-            <a:ext cx="742320" cy="636120"/>
+            <a:ext cx="741960" cy="635760"/>
             <a:chOff x="1705320" y="3930840"/>
-            <a:chExt cx="742320" cy="636120"/>
+            <a:chExt cx="741960" cy="635760"/>
           </a:xfrm>
         </p:grpSpPr>
         <p:sp>
@@ -14052,7 +13863,7 @@
           <p:spPr>
             <a:xfrm>
               <a:off x="1941480" y="4249440"/>
-              <a:ext cx="270360" cy="317520"/>
+              <a:ext cx="270000" cy="317160"/>
             </a:xfrm>
             <a:prstGeom prst="flowChartConnector">
               <a:avLst/>
@@ -14083,7 +13894,7 @@
           <p:spPr>
             <a:xfrm>
               <a:off x="1705320" y="3930840"/>
-              <a:ext cx="742320" cy="317520"/>
+              <a:ext cx="741960" cy="317160"/>
             </a:xfrm>
             <a:prstGeom prst="rect">
               <a:avLst/>
@@ -14100,7 +13911,7 @@
             <a:fontRef idx="minor"/>
           </p:style>
           <p:txBody>
-            <a:bodyPr lIns="90000" rIns="90000" tIns="182880" bIns="182880" anchor="t">
+            <a:bodyPr lIns="90000" rIns="90000" tIns="317520" bIns="317520" anchor="t">
               <a:noAutofit/>
             </a:bodyPr>
             <a:p>
@@ -14136,9 +13947,9 @@
         <p:grpSpPr>
           <a:xfrm>
             <a:off x="2209320" y="4048920"/>
-            <a:ext cx="742320" cy="636120"/>
+            <a:ext cx="741960" cy="635760"/>
             <a:chOff x="2209320" y="4048920"/>
-            <a:chExt cx="742320" cy="636120"/>
+            <a:chExt cx="741960" cy="635760"/>
           </a:xfrm>
         </p:grpSpPr>
         <p:sp>
@@ -14150,7 +13961,7 @@
           <p:spPr>
             <a:xfrm>
               <a:off x="2445480" y="4367520"/>
-              <a:ext cx="270360" cy="317520"/>
+              <a:ext cx="270000" cy="317160"/>
             </a:xfrm>
             <a:prstGeom prst="flowChartConnector">
               <a:avLst/>
@@ -14181,7 +13992,7 @@
           <p:spPr>
             <a:xfrm>
               <a:off x="2209320" y="4048920"/>
-              <a:ext cx="742320" cy="317520"/>
+              <a:ext cx="741960" cy="317160"/>
             </a:xfrm>
             <a:prstGeom prst="rect">
               <a:avLst/>
@@ -14198,7 +14009,7 @@
             <a:fontRef idx="minor"/>
           </p:style>
           <p:txBody>
-            <a:bodyPr lIns="90000" rIns="90000" tIns="182880" bIns="182880" anchor="t">
+            <a:bodyPr lIns="90000" rIns="90000" tIns="317520" bIns="317520" anchor="t">
               <a:noAutofit/>
             </a:bodyPr>
             <a:p>
@@ -14234,7 +14045,7 @@
         <p:spPr>
           <a:xfrm>
             <a:off x="1668960" y="3931920"/>
-            <a:ext cx="1257120" cy="916920"/>
+            <a:ext cx="1256760" cy="916560"/>
           </a:xfrm>
           <a:custGeom>
             <a:avLst/>
@@ -14309,7 +14120,7 @@
         <p:spPr>
           <a:xfrm>
             <a:off x="2382120" y="2987280"/>
-            <a:ext cx="900720" cy="843480"/>
+            <a:ext cx="900360" cy="843120"/>
           </a:xfrm>
           <a:custGeom>
             <a:avLst/>
@@ -14369,7 +14180,7 @@
         <p:spPr>
           <a:xfrm>
             <a:off x="1636560" y="2201760"/>
-            <a:ext cx="927720" cy="849240"/>
+            <a:ext cx="927360" cy="848880"/>
           </a:xfrm>
           <a:custGeom>
             <a:avLst/>
@@ -14434,9 +14245,9 @@
         <p:grpSpPr>
           <a:xfrm>
             <a:off x="2448000" y="3083040"/>
-            <a:ext cx="742320" cy="636120"/>
+            <a:ext cx="741960" cy="635760"/>
             <a:chOff x="2448000" y="3083040"/>
-            <a:chExt cx="742320" cy="636120"/>
+            <a:chExt cx="741960" cy="635760"/>
           </a:xfrm>
         </p:grpSpPr>
         <p:sp>
@@ -14448,7 +14259,7 @@
           <p:spPr>
             <a:xfrm>
               <a:off x="2683800" y="3401640"/>
-              <a:ext cx="270360" cy="317520"/>
+              <a:ext cx="270000" cy="317160"/>
             </a:xfrm>
             <a:prstGeom prst="flowChartConnector">
               <a:avLst/>
@@ -14479,7 +14290,7 @@
           <p:spPr>
             <a:xfrm>
               <a:off x="2448000" y="3083040"/>
-              <a:ext cx="742320" cy="317520"/>
+              <a:ext cx="741960" cy="317160"/>
             </a:xfrm>
             <a:prstGeom prst="rect">
               <a:avLst/>
@@ -14496,7 +14307,7 @@
             <a:fontRef idx="minor"/>
           </p:style>
           <p:txBody>
-            <a:bodyPr lIns="90000" rIns="90000" tIns="182880" bIns="182880" anchor="t">
+            <a:bodyPr lIns="90000" rIns="90000" tIns="317520" bIns="317520" anchor="t">
               <a:noAutofit/>
             </a:bodyPr>
             <a:p>
@@ -14532,7 +14343,7 @@
         <p:spPr>
           <a:xfrm>
             <a:off x="1407240" y="5115240"/>
-            <a:ext cx="1904400" cy="351000"/>
+            <a:ext cx="1904040" cy="350640"/>
           </a:xfrm>
           <a:prstGeom prst="rect">
             <a:avLst/>
@@ -14549,7 +14360,7 @@
           <a:fontRef idx="minor"/>
         </p:style>
         <p:txBody>
-          <a:bodyPr lIns="90000" rIns="90000" tIns="182880" bIns="182880" anchor="t">
+          <a:bodyPr lIns="90000" rIns="90000" tIns="351360" bIns="351360" anchor="t">
             <a:noAutofit/>
           </a:bodyPr>
           <a:p>
@@ -14583,8 +14394,8 @@
         </p:nvSpPr>
         <p:spPr>
           <a:xfrm rot="309000">
-            <a:off x="1649160" y="3005640"/>
-            <a:ext cx="443520" cy="317520"/>
+            <a:off x="1648800" y="3005280"/>
+            <a:ext cx="443160" cy="317160"/>
           </a:xfrm>
           <a:prstGeom prst="rect">
             <a:avLst/>
@@ -14601,7 +14412,7 @@
           <a:fontRef idx="minor"/>
         </p:style>
         <p:txBody>
-          <a:bodyPr lIns="90000" rIns="90000" tIns="182880" bIns="182880" anchor="t">
+          <a:bodyPr lIns="90000" rIns="90000" tIns="317520" bIns="317520" anchor="t">
             <a:noAutofit/>
           </a:bodyPr>
           <a:p>
@@ -14635,8 +14446,8 @@
         </p:nvSpPr>
         <p:spPr>
           <a:xfrm rot="1800">
-            <a:off x="2841120" y="3719880"/>
-            <a:ext cx="549720" cy="317520"/>
+            <a:off x="2840760" y="3719880"/>
+            <a:ext cx="549360" cy="317160"/>
           </a:xfrm>
           <a:prstGeom prst="rect">
             <a:avLst/>
@@ -14653,7 +14464,7 @@
           <a:fontRef idx="minor"/>
         </p:style>
         <p:txBody>
-          <a:bodyPr lIns="90000" rIns="90000" tIns="182880" bIns="182880" anchor="t">
+          <a:bodyPr lIns="90000" rIns="90000" tIns="317520" bIns="317520" anchor="t">
             <a:noAutofit/>
           </a:bodyPr>
           <a:p>
@@ -14688,7 +14499,7 @@
         <p:spPr>
           <a:xfrm>
             <a:off x="1821960" y="4686120"/>
-            <a:ext cx="742320" cy="405000"/>
+            <a:ext cx="741960" cy="404640"/>
           </a:xfrm>
           <a:prstGeom prst="rect">
             <a:avLst/>
@@ -14770,7 +14581,7 @@
         <p:spPr>
           <a:xfrm>
             <a:off x="457200" y="522720"/>
-            <a:ext cx="6530040" cy="651960"/>
+            <a:ext cx="6529680" cy="651600"/>
           </a:xfrm>
           <a:prstGeom prst="rect">
             <a:avLst/>
@@ -14822,7 +14633,7 @@
         <p:spPr>
           <a:xfrm>
             <a:off x="457200" y="1632960"/>
-            <a:ext cx="8228160" cy="3975840"/>
+            <a:ext cx="8227800" cy="3975480"/>
           </a:xfrm>
           <a:prstGeom prst="rect">
             <a:avLst/>
@@ -15014,7 +14825,7 @@
         <p:spPr>
           <a:xfrm>
             <a:off x="457200" y="522720"/>
-            <a:ext cx="6530040" cy="651960"/>
+            <a:ext cx="6529680" cy="651600"/>
           </a:xfrm>
           <a:prstGeom prst="rect">
             <a:avLst/>
@@ -15066,7 +14877,7 @@
         <p:spPr>
           <a:xfrm>
             <a:off x="457200" y="1632960"/>
-            <a:ext cx="8228160" cy="3975840"/>
+            <a:ext cx="8227800" cy="3975480"/>
           </a:xfrm>
           <a:prstGeom prst="rect">
             <a:avLst/>
@@ -15156,7 +14967,7 @@
         <p:spPr>
           <a:xfrm>
             <a:off x="457200" y="274680"/>
-            <a:ext cx="8228520" cy="638640"/>
+            <a:ext cx="8228160" cy="638280"/>
           </a:xfrm>
           <a:prstGeom prst="rect">
             <a:avLst/>
@@ -15208,7 +15019,7 @@
         <p:spPr>
           <a:xfrm>
             <a:off x="457200" y="1019520"/>
-            <a:ext cx="8228520" cy="5105520"/>
+            <a:ext cx="8228160" cy="5105160"/>
           </a:xfrm>
           <a:prstGeom prst="rect">
             <a:avLst/>
@@ -15339,7 +15150,7 @@
         <p:spPr>
           <a:xfrm>
             <a:off x="457200" y="274680"/>
-            <a:ext cx="8228520" cy="638640"/>
+            <a:ext cx="8228160" cy="638280"/>
           </a:xfrm>
           <a:prstGeom prst="rect">
             <a:avLst/>
@@ -15391,7 +15202,7 @@
         <p:spPr>
           <a:xfrm>
             <a:off x="457200" y="1019520"/>
-            <a:ext cx="8228520" cy="5105520"/>
+            <a:ext cx="8228160" cy="5105160"/>
           </a:xfrm>
           <a:prstGeom prst="rect">
             <a:avLst/>
@@ -15862,7 +15673,7 @@
         <p:spPr>
           <a:xfrm>
             <a:off x="457200" y="522720"/>
-            <a:ext cx="6530040" cy="651960"/>
+            <a:ext cx="6529680" cy="651600"/>
           </a:xfrm>
           <a:prstGeom prst="rect">
             <a:avLst/>
@@ -15914,7 +15725,7 @@
         <p:spPr>
           <a:xfrm>
             <a:off x="457200" y="1632960"/>
-            <a:ext cx="8228160" cy="3975840"/>
+            <a:ext cx="8227800" cy="3975480"/>
           </a:xfrm>
           <a:prstGeom prst="rect">
             <a:avLst/>
@@ -16033,7 +15844,7 @@
         <p:spPr>
           <a:xfrm>
             <a:off x="457200" y="522720"/>
-            <a:ext cx="6530040" cy="651960"/>
+            <a:ext cx="6529680" cy="651600"/>
           </a:xfrm>
           <a:prstGeom prst="rect">
             <a:avLst/>
@@ -16085,7 +15896,7 @@
         <p:spPr>
           <a:xfrm>
             <a:off x="457200" y="1632960"/>
-            <a:ext cx="8228160" cy="3975840"/>
+            <a:ext cx="8227800" cy="3975480"/>
           </a:xfrm>
           <a:prstGeom prst="rect">
             <a:avLst/>
@@ -16270,7 +16081,7 @@
         <p:spPr>
           <a:xfrm>
             <a:off x="457200" y="522720"/>
-            <a:ext cx="6530040" cy="651960"/>
+            <a:ext cx="6529680" cy="651600"/>
           </a:xfrm>
           <a:prstGeom prst="rect">
             <a:avLst/>
@@ -16322,7 +16133,7 @@
         <p:spPr>
           <a:xfrm>
             <a:off x="457200" y="1632960"/>
-            <a:ext cx="8228160" cy="3975840"/>
+            <a:ext cx="8227800" cy="3975480"/>
           </a:xfrm>
           <a:prstGeom prst="rect">
             <a:avLst/>
@@ -16550,7 +16361,7 @@
         <p:spPr>
           <a:xfrm>
             <a:off x="457200" y="522720"/>
-            <a:ext cx="6530040" cy="651960"/>
+            <a:ext cx="6529680" cy="651600"/>
           </a:xfrm>
           <a:prstGeom prst="rect">
             <a:avLst/>
@@ -16602,7 +16413,7 @@
         <p:spPr>
           <a:xfrm>
             <a:off x="457200" y="1502640"/>
-            <a:ext cx="8228160" cy="4629240"/>
+            <a:ext cx="8227800" cy="4628880"/>
           </a:xfrm>
           <a:prstGeom prst="rect">
             <a:avLst/>
@@ -16897,7 +16708,7 @@
         <p:spPr>
           <a:xfrm>
             <a:off x="0" y="0"/>
-            <a:ext cx="9142920" cy="6856920"/>
+            <a:ext cx="9142560" cy="6856560"/>
           </a:xfrm>
           <a:prstGeom prst="rect">
             <a:avLst/>
@@ -16916,7 +16727,7 @@
         <p:spPr>
           <a:xfrm>
             <a:off x="0" y="6603840"/>
-            <a:ext cx="9142920" cy="253080"/>
+            <a:ext cx="9142560" cy="252720"/>
           </a:xfrm>
           <a:prstGeom prst="rect">
             <a:avLst/>
@@ -16974,7 +16785,7 @@
         <p:spPr>
           <a:xfrm>
             <a:off x="7505640" y="5885640"/>
-            <a:ext cx="840240" cy="980280"/>
+            <a:ext cx="839880" cy="979920"/>
           </a:xfrm>
           <a:prstGeom prst="rect">
             <a:avLst/>
@@ -17027,7 +16838,7 @@
         <p:spPr>
           <a:xfrm>
             <a:off x="272160" y="435960"/>
-            <a:ext cx="8519400" cy="571680"/>
+            <a:ext cx="8519040" cy="571320"/>
           </a:xfrm>
           <a:prstGeom prst="rect">
             <a:avLst/>
@@ -17102,7 +16913,7 @@
         <p:spPr>
           <a:xfrm>
             <a:off x="1179720" y="1996200"/>
-            <a:ext cx="2358720" cy="3060000"/>
+            <a:ext cx="2358360" cy="3059640"/>
           </a:xfrm>
           <a:prstGeom prst="ellipse">
             <a:avLst/>
@@ -17133,9 +16944,9 @@
         <p:grpSpPr>
           <a:xfrm>
             <a:off x="1930320" y="1996200"/>
-            <a:ext cx="937440" cy="636120"/>
+            <a:ext cx="937080" cy="635760"/>
             <a:chOff x="1930320" y="1996200"/>
-            <a:chExt cx="937440" cy="636120"/>
+            <a:chExt cx="937080" cy="635760"/>
           </a:xfrm>
         </p:grpSpPr>
         <p:sp>
@@ -17147,7 +16958,7 @@
           <p:spPr>
             <a:xfrm>
               <a:off x="2235600" y="2314800"/>
-              <a:ext cx="270360" cy="317520"/>
+              <a:ext cx="270000" cy="317160"/>
             </a:xfrm>
             <a:prstGeom prst="flowChartConnector">
               <a:avLst/>
@@ -17178,7 +16989,7 @@
           <p:spPr>
             <a:xfrm>
               <a:off x="1930320" y="1996200"/>
-              <a:ext cx="937440" cy="317520"/>
+              <a:ext cx="937080" cy="317160"/>
             </a:xfrm>
             <a:prstGeom prst="rect">
               <a:avLst/>
@@ -17195,7 +17006,7 @@
             <a:fontRef idx="minor"/>
           </p:style>
           <p:txBody>
-            <a:bodyPr lIns="90000" rIns="90000" tIns="182880" bIns="182880" anchor="t">
+            <a:bodyPr lIns="90000" rIns="90000" tIns="317520" bIns="317520" anchor="t">
               <a:noAutofit/>
             </a:bodyPr>
             <a:p>
@@ -17231,9 +17042,9 @@
         <p:grpSpPr>
           <a:xfrm>
             <a:off x="1489680" y="3699720"/>
-            <a:ext cx="742320" cy="636120"/>
+            <a:ext cx="741960" cy="635760"/>
             <a:chOff x="1489680" y="3699720"/>
-            <a:chExt cx="742320" cy="636120"/>
+            <a:chExt cx="741960" cy="635760"/>
           </a:xfrm>
         </p:grpSpPr>
         <p:sp>
@@ -17245,7 +17056,7 @@
           <p:spPr>
             <a:xfrm>
               <a:off x="1725840" y="4018320"/>
-              <a:ext cx="270360" cy="317520"/>
+              <a:ext cx="270000" cy="317160"/>
             </a:xfrm>
             <a:prstGeom prst="flowChartConnector">
               <a:avLst/>
@@ -17276,7 +17087,7 @@
           <p:spPr>
             <a:xfrm>
               <a:off x="1489680" y="3699720"/>
-              <a:ext cx="742320" cy="317520"/>
+              <a:ext cx="741960" cy="317160"/>
             </a:xfrm>
             <a:prstGeom prst="rect">
               <a:avLst/>
@@ -17293,7 +17104,7 @@
             <a:fontRef idx="minor"/>
           </p:style>
           <p:txBody>
-            <a:bodyPr lIns="90000" rIns="90000" tIns="182880" bIns="182880" anchor="t">
+            <a:bodyPr lIns="90000" rIns="90000" tIns="317520" bIns="317520" anchor="t">
               <a:noAutofit/>
             </a:bodyPr>
             <a:p>
@@ -17329,9 +17140,9 @@
         <p:grpSpPr>
           <a:xfrm>
             <a:off x="2311560" y="4248720"/>
-            <a:ext cx="742320" cy="636120"/>
+            <a:ext cx="741960" cy="635760"/>
             <a:chOff x="2311560" y="4248720"/>
-            <a:chExt cx="742320" cy="636120"/>
+            <a:chExt cx="741960" cy="635760"/>
           </a:xfrm>
         </p:grpSpPr>
         <p:sp>
@@ -17343,7 +17154,7 @@
           <p:spPr>
             <a:xfrm>
               <a:off x="2547360" y="4567320"/>
-              <a:ext cx="270360" cy="317520"/>
+              <a:ext cx="270000" cy="317160"/>
             </a:xfrm>
             <a:prstGeom prst="flowChartConnector">
               <a:avLst/>
@@ -17374,7 +17185,7 @@
           <p:spPr>
             <a:xfrm>
               <a:off x="2311560" y="4248720"/>
-              <a:ext cx="742320" cy="317520"/>
+              <a:ext cx="741960" cy="317160"/>
             </a:xfrm>
             <a:prstGeom prst="rect">
               <a:avLst/>
@@ -17391,7 +17202,7 @@
             <a:fontRef idx="minor"/>
           </p:style>
           <p:txBody>
-            <a:bodyPr lIns="90000" rIns="90000" tIns="182880" bIns="182880" anchor="t">
+            <a:bodyPr lIns="90000" rIns="90000" tIns="317520" bIns="317520" anchor="t">
               <a:noAutofit/>
             </a:bodyPr>
             <a:p>
@@ -17427,7 +17238,7 @@
         <p:spPr>
           <a:xfrm>
             <a:off x="5769360" y="1996200"/>
-            <a:ext cx="2358720" cy="3060000"/>
+            <a:ext cx="2358360" cy="3059640"/>
           </a:xfrm>
           <a:prstGeom prst="ellipse">
             <a:avLst/>
@@ -17458,9 +17269,9 @@
         <p:grpSpPr>
           <a:xfrm>
             <a:off x="6577560" y="2155680"/>
-            <a:ext cx="742320" cy="636120"/>
+            <a:ext cx="741960" cy="635760"/>
             <a:chOff x="6577560" y="2155680"/>
-            <a:chExt cx="742320" cy="636120"/>
+            <a:chExt cx="741960" cy="635760"/>
           </a:xfrm>
         </p:grpSpPr>
         <p:sp>
@@ -17472,7 +17283,7 @@
           <p:spPr>
             <a:xfrm>
               <a:off x="6813720" y="2474280"/>
-              <a:ext cx="270360" cy="317520"/>
+              <a:ext cx="270000" cy="317160"/>
             </a:xfrm>
             <a:prstGeom prst="flowChartConnector">
               <a:avLst/>
@@ -17503,7 +17314,7 @@
           <p:spPr>
             <a:xfrm>
               <a:off x="6577560" y="2155680"/>
-              <a:ext cx="742320" cy="317520"/>
+              <a:ext cx="741960" cy="317160"/>
             </a:xfrm>
             <a:prstGeom prst="rect">
               <a:avLst/>
@@ -17520,7 +17331,7 @@
             <a:fontRef idx="minor"/>
           </p:style>
           <p:txBody>
-            <a:bodyPr lIns="90000" rIns="90000" tIns="182880" bIns="182880" anchor="t">
+            <a:bodyPr lIns="90000" rIns="90000" tIns="317520" bIns="317520" anchor="t">
               <a:noAutofit/>
             </a:bodyPr>
             <a:p>
@@ -17556,9 +17367,9 @@
         <p:grpSpPr>
           <a:xfrm>
             <a:off x="6577560" y="3699720"/>
-            <a:ext cx="742320" cy="636120"/>
+            <a:ext cx="741960" cy="635760"/>
             <a:chOff x="6577560" y="3699720"/>
-            <a:chExt cx="742320" cy="636120"/>
+            <a:chExt cx="741960" cy="635760"/>
           </a:xfrm>
         </p:grpSpPr>
         <p:sp>
@@ -17570,7 +17381,7 @@
           <p:spPr>
             <a:xfrm>
               <a:off x="6813720" y="4018320"/>
-              <a:ext cx="270360" cy="317520"/>
+              <a:ext cx="270000" cy="317160"/>
             </a:xfrm>
             <a:prstGeom prst="flowChartConnector">
               <a:avLst/>
@@ -17601,7 +17412,7 @@
           <p:spPr>
             <a:xfrm>
               <a:off x="6577560" y="3699720"/>
-              <a:ext cx="742320" cy="317520"/>
+              <a:ext cx="741960" cy="317160"/>
             </a:xfrm>
             <a:prstGeom prst="rect">
               <a:avLst/>
@@ -17618,7 +17429,7 @@
             <a:fontRef idx="minor"/>
           </p:style>
           <p:txBody>
-            <a:bodyPr lIns="90000" rIns="90000" tIns="182880" bIns="182880" anchor="t">
+            <a:bodyPr lIns="90000" rIns="90000" tIns="317520" bIns="317520" anchor="t">
               <a:noAutofit/>
             </a:bodyPr>
             <a:p>
@@ -17665,9 +17476,9 @@
         <p:grpSpPr>
           <a:xfrm>
             <a:off x="6157440" y="3062520"/>
-            <a:ext cx="742320" cy="636120"/>
+            <a:ext cx="741960" cy="635760"/>
             <a:chOff x="6157440" y="3062520"/>
-            <a:chExt cx="742320" cy="636120"/>
+            <a:chExt cx="741960" cy="635760"/>
           </a:xfrm>
         </p:grpSpPr>
         <p:sp>
@@ -17679,7 +17490,7 @@
           <p:spPr>
             <a:xfrm>
               <a:off x="6393600" y="3381120"/>
-              <a:ext cx="270360" cy="317520"/>
+              <a:ext cx="270000" cy="317160"/>
             </a:xfrm>
             <a:prstGeom prst="flowChartConnector">
               <a:avLst/>
@@ -17710,7 +17521,7 @@
           <p:spPr>
             <a:xfrm>
               <a:off x="6157440" y="3062520"/>
-              <a:ext cx="742320" cy="317520"/>
+              <a:ext cx="741960" cy="317160"/>
             </a:xfrm>
             <a:prstGeom prst="rect">
               <a:avLst/>
@@ -17727,7 +17538,7 @@
             <a:fontRef idx="minor"/>
           </p:style>
           <p:txBody>
-            <a:bodyPr lIns="90000" rIns="90000" tIns="182880" bIns="182880" anchor="t">
+            <a:bodyPr lIns="90000" rIns="90000" tIns="317520" bIns="317520" anchor="t">
               <a:noAutofit/>
             </a:bodyPr>
             <a:p>
@@ -17763,9 +17574,9 @@
         <p:grpSpPr>
           <a:xfrm>
             <a:off x="2027880" y="2982960"/>
-            <a:ext cx="742320" cy="636120"/>
+            <a:ext cx="741960" cy="635760"/>
             <a:chOff x="2027880" y="2982960"/>
-            <a:chExt cx="742320" cy="636120"/>
+            <a:chExt cx="741960" cy="635760"/>
           </a:xfrm>
         </p:grpSpPr>
         <p:sp>
@@ -17777,7 +17588,7 @@
           <p:spPr>
             <a:xfrm>
               <a:off x="2263680" y="3301560"/>
-              <a:ext cx="270360" cy="317520"/>
+              <a:ext cx="270000" cy="317160"/>
             </a:xfrm>
             <a:prstGeom prst="flowChartConnector">
               <a:avLst/>
@@ -17808,7 +17619,7 @@
           <p:spPr>
             <a:xfrm>
               <a:off x="2027880" y="2982960"/>
-              <a:ext cx="742320" cy="317520"/>
+              <a:ext cx="741960" cy="317160"/>
             </a:xfrm>
             <a:prstGeom prst="rect">
               <a:avLst/>
@@ -17825,7 +17636,7 @@
             <a:fontRef idx="minor"/>
           </p:style>
           <p:txBody>
-            <a:bodyPr lIns="90000" rIns="90000" tIns="182880" bIns="182880" anchor="t">
+            <a:bodyPr lIns="90000" rIns="90000" tIns="317520" bIns="317520" anchor="t">
               <a:noAutofit/>
             </a:bodyPr>
             <a:p>
@@ -17860,8 +17671,8 @@
         </p:nvSpPr>
         <p:spPr>
           <a:xfrm rot="10800000">
-            <a:off x="2508120" y="2473920"/>
-            <a:ext cx="4305600" cy="158400"/>
+            <a:off x="2508480" y="2473920"/>
+            <a:ext cx="4305240" cy="158040"/>
           </a:xfrm>
           <a:prstGeom prst="curvedConnector3">
             <a:avLst>
@@ -17892,8 +17703,8 @@
         </p:nvSpPr>
         <p:spPr>
           <a:xfrm rot="10800000">
-            <a:off x="2536200" y="3461400"/>
-            <a:ext cx="3857400" cy="78480"/>
+            <a:off x="2536560" y="3461760"/>
+            <a:ext cx="3857040" cy="78120"/>
           </a:xfrm>
           <a:prstGeom prst="curvedConnector3">
             <a:avLst>
@@ -17924,8 +17735,8 @@
         </p:nvSpPr>
         <p:spPr>
           <a:xfrm flipH="1">
-            <a:off x="1996560" y="4177800"/>
-            <a:ext cx="4815360" cy="360"/>
+            <a:off x="1995840" y="4177800"/>
+            <a:ext cx="4815000" cy="360"/>
           </a:xfrm>
           <a:prstGeom prst="curvedConnector3">
             <a:avLst>
@@ -17956,8 +17767,8 @@
         </p:nvSpPr>
         <p:spPr>
           <a:xfrm rot="5400000">
-            <a:off x="4690440" y="2465640"/>
-            <a:ext cx="388800" cy="4129200"/>
+            <a:off x="4690800" y="2465280"/>
+            <a:ext cx="388440" cy="4128840"/>
           </a:xfrm>
           <a:prstGeom prst="curvedConnector2">
             <a:avLst/>
@@ -17987,7 +17798,7 @@
         <p:spPr>
           <a:xfrm>
             <a:off x="2625120" y="5115240"/>
-            <a:ext cx="3814920" cy="351000"/>
+            <a:ext cx="3814560" cy="350640"/>
           </a:xfrm>
           <a:prstGeom prst="rect">
             <a:avLst/>
@@ -18004,7 +17815,7 @@
           <a:fontRef idx="minor"/>
         </p:style>
         <p:txBody>
-          <a:bodyPr lIns="90000" rIns="90000" tIns="182880" bIns="182880" anchor="t">
+          <a:bodyPr lIns="90000" rIns="90000" tIns="351360" bIns="351360" anchor="t">
             <a:noAutofit/>
           </a:bodyPr>
           <a:p>
@@ -18079,7 +17890,7 @@
         <p:spPr>
           <a:xfrm>
             <a:off x="311760" y="479880"/>
-            <a:ext cx="8519400" cy="571680"/>
+            <a:ext cx="8519040" cy="571320"/>
           </a:xfrm>
           <a:prstGeom prst="rect">
             <a:avLst/>
@@ -18154,7 +17965,7 @@
         <p:spPr>
           <a:xfrm>
             <a:off x="1179720" y="1996200"/>
-            <a:ext cx="2358720" cy="3060000"/>
+            <a:ext cx="2358360" cy="3059640"/>
           </a:xfrm>
           <a:prstGeom prst="ellipse">
             <a:avLst/>
@@ -18185,9 +17996,9 @@
         <p:grpSpPr>
           <a:xfrm>
             <a:off x="1930320" y="1996200"/>
-            <a:ext cx="937440" cy="636120"/>
+            <a:ext cx="937080" cy="635760"/>
             <a:chOff x="1930320" y="1996200"/>
-            <a:chExt cx="937440" cy="636120"/>
+            <a:chExt cx="937080" cy="635760"/>
           </a:xfrm>
         </p:grpSpPr>
         <p:sp>
@@ -18199,7 +18010,7 @@
           <p:spPr>
             <a:xfrm>
               <a:off x="2235600" y="2314800"/>
-              <a:ext cx="270360" cy="317520"/>
+              <a:ext cx="270000" cy="317160"/>
             </a:xfrm>
             <a:prstGeom prst="flowChartConnector">
               <a:avLst/>
@@ -18230,7 +18041,7 @@
           <p:spPr>
             <a:xfrm>
               <a:off x="1930320" y="1996200"/>
-              <a:ext cx="937440" cy="317520"/>
+              <a:ext cx="937080" cy="317160"/>
             </a:xfrm>
             <a:prstGeom prst="rect">
               <a:avLst/>
@@ -18247,7 +18058,7 @@
             <a:fontRef idx="minor"/>
           </p:style>
           <p:txBody>
-            <a:bodyPr lIns="90000" rIns="90000" tIns="182880" bIns="182880" anchor="t">
+            <a:bodyPr lIns="90000" rIns="90000" tIns="317520" bIns="317520" anchor="t">
               <a:noAutofit/>
             </a:bodyPr>
             <a:p>
@@ -18283,9 +18094,9 @@
         <p:grpSpPr>
           <a:xfrm>
             <a:off x="1489680" y="3699720"/>
-            <a:ext cx="742320" cy="636120"/>
+            <a:ext cx="741960" cy="635760"/>
             <a:chOff x="1489680" y="3699720"/>
-            <a:chExt cx="742320" cy="636120"/>
+            <a:chExt cx="741960" cy="635760"/>
           </a:xfrm>
         </p:grpSpPr>
         <p:sp>
@@ -18297,7 +18108,7 @@
           <p:spPr>
             <a:xfrm>
               <a:off x="1725840" y="4018320"/>
-              <a:ext cx="270360" cy="317520"/>
+              <a:ext cx="270000" cy="317160"/>
             </a:xfrm>
             <a:prstGeom prst="flowChartConnector">
               <a:avLst/>
@@ -18328,7 +18139,7 @@
           <p:spPr>
             <a:xfrm>
               <a:off x="1489680" y="3699720"/>
-              <a:ext cx="742320" cy="317520"/>
+              <a:ext cx="741960" cy="317160"/>
             </a:xfrm>
             <a:prstGeom prst="rect">
               <a:avLst/>
@@ -18345,7 +18156,7 @@
             <a:fontRef idx="minor"/>
           </p:style>
           <p:txBody>
-            <a:bodyPr lIns="90000" rIns="90000" tIns="182880" bIns="182880" anchor="t">
+            <a:bodyPr lIns="90000" rIns="90000" tIns="317520" bIns="317520" anchor="t">
               <a:noAutofit/>
             </a:bodyPr>
             <a:p>
@@ -18381,9 +18192,9 @@
         <p:grpSpPr>
           <a:xfrm>
             <a:off x="2311560" y="4248720"/>
-            <a:ext cx="742320" cy="636120"/>
+            <a:ext cx="741960" cy="635760"/>
             <a:chOff x="2311560" y="4248720"/>
-            <a:chExt cx="742320" cy="636120"/>
+            <a:chExt cx="741960" cy="635760"/>
           </a:xfrm>
         </p:grpSpPr>
         <p:sp>
@@ -18395,7 +18206,7 @@
           <p:spPr>
             <a:xfrm>
               <a:off x="2547360" y="4567320"/>
-              <a:ext cx="270360" cy="317520"/>
+              <a:ext cx="270000" cy="317160"/>
             </a:xfrm>
             <a:prstGeom prst="flowChartConnector">
               <a:avLst/>
@@ -18426,7 +18237,7 @@
           <p:spPr>
             <a:xfrm>
               <a:off x="2311560" y="4248720"/>
-              <a:ext cx="742320" cy="317520"/>
+              <a:ext cx="741960" cy="317160"/>
             </a:xfrm>
             <a:prstGeom prst="rect">
               <a:avLst/>
@@ -18443,7 +18254,7 @@
             <a:fontRef idx="minor"/>
           </p:style>
           <p:txBody>
-            <a:bodyPr lIns="90000" rIns="90000" tIns="182880" bIns="182880" anchor="t">
+            <a:bodyPr lIns="90000" rIns="90000" tIns="317520" bIns="317520" anchor="t">
               <a:noAutofit/>
             </a:bodyPr>
             <a:p>
@@ -18479,7 +18290,7 @@
         <p:spPr>
           <a:xfrm>
             <a:off x="5769360" y="1996200"/>
-            <a:ext cx="2358720" cy="3060000"/>
+            <a:ext cx="2358360" cy="3059640"/>
           </a:xfrm>
           <a:prstGeom prst="ellipse">
             <a:avLst/>
@@ -18510,9 +18321,9 @@
         <p:grpSpPr>
           <a:xfrm>
             <a:off x="6577560" y="2155680"/>
-            <a:ext cx="742320" cy="636120"/>
+            <a:ext cx="741960" cy="635760"/>
             <a:chOff x="6577560" y="2155680"/>
-            <a:chExt cx="742320" cy="636120"/>
+            <a:chExt cx="741960" cy="635760"/>
           </a:xfrm>
         </p:grpSpPr>
         <p:sp>
@@ -18524,7 +18335,7 @@
           <p:spPr>
             <a:xfrm>
               <a:off x="6813720" y="2474280"/>
-              <a:ext cx="270360" cy="317520"/>
+              <a:ext cx="270000" cy="317160"/>
             </a:xfrm>
             <a:prstGeom prst="flowChartConnector">
               <a:avLst/>
@@ -18555,7 +18366,7 @@
           <p:spPr>
             <a:xfrm>
               <a:off x="6577560" y="2155680"/>
-              <a:ext cx="742320" cy="317520"/>
+              <a:ext cx="741960" cy="317160"/>
             </a:xfrm>
             <a:prstGeom prst="rect">
               <a:avLst/>
@@ -18572,7 +18383,7 @@
             <a:fontRef idx="minor"/>
           </p:style>
           <p:txBody>
-            <a:bodyPr lIns="90000" rIns="90000" tIns="182880" bIns="182880" anchor="t">
+            <a:bodyPr lIns="90000" rIns="90000" tIns="317520" bIns="317520" anchor="t">
               <a:noAutofit/>
             </a:bodyPr>
             <a:p>
@@ -18608,9 +18419,9 @@
         <p:grpSpPr>
           <a:xfrm>
             <a:off x="6577560" y="3699720"/>
-            <a:ext cx="742320" cy="636120"/>
+            <a:ext cx="741960" cy="635760"/>
             <a:chOff x="6577560" y="3699720"/>
-            <a:chExt cx="742320" cy="636120"/>
+            <a:chExt cx="741960" cy="635760"/>
           </a:xfrm>
         </p:grpSpPr>
         <p:sp>
@@ -18622,7 +18433,7 @@
           <p:spPr>
             <a:xfrm>
               <a:off x="6813720" y="4018320"/>
-              <a:ext cx="270360" cy="317520"/>
+              <a:ext cx="270000" cy="317160"/>
             </a:xfrm>
             <a:prstGeom prst="flowChartConnector">
               <a:avLst/>
@@ -18653,7 +18464,7 @@
           <p:spPr>
             <a:xfrm>
               <a:off x="6577560" y="3699720"/>
-              <a:ext cx="742320" cy="317520"/>
+              <a:ext cx="741960" cy="317160"/>
             </a:xfrm>
             <a:prstGeom prst="rect">
               <a:avLst/>
@@ -18670,7 +18481,7 @@
             <a:fontRef idx="minor"/>
           </p:style>
           <p:txBody>
-            <a:bodyPr lIns="90000" rIns="90000" tIns="182880" bIns="182880" anchor="t">
+            <a:bodyPr lIns="90000" rIns="90000" tIns="317520" bIns="317520" anchor="t">
               <a:noAutofit/>
             </a:bodyPr>
             <a:p>
@@ -18717,9 +18528,9 @@
         <p:grpSpPr>
           <a:xfrm>
             <a:off x="6157440" y="3062520"/>
-            <a:ext cx="742320" cy="636120"/>
+            <a:ext cx="741960" cy="635760"/>
             <a:chOff x="6157440" y="3062520"/>
-            <a:chExt cx="742320" cy="636120"/>
+            <a:chExt cx="741960" cy="635760"/>
           </a:xfrm>
         </p:grpSpPr>
         <p:sp>
@@ -18731,7 +18542,7 @@
           <p:spPr>
             <a:xfrm>
               <a:off x="6393600" y="3381120"/>
-              <a:ext cx="270360" cy="317520"/>
+              <a:ext cx="270000" cy="317160"/>
             </a:xfrm>
             <a:prstGeom prst="flowChartConnector">
               <a:avLst/>
@@ -18762,7 +18573,7 @@
           <p:spPr>
             <a:xfrm>
               <a:off x="6157440" y="3062520"/>
-              <a:ext cx="742320" cy="317520"/>
+              <a:ext cx="741960" cy="317160"/>
             </a:xfrm>
             <a:prstGeom prst="rect">
               <a:avLst/>
@@ -18779,7 +18590,7 @@
             <a:fontRef idx="minor"/>
           </p:style>
           <p:txBody>
-            <a:bodyPr lIns="90000" rIns="90000" tIns="182880" bIns="182880" anchor="t">
+            <a:bodyPr lIns="90000" rIns="90000" tIns="317520" bIns="317520" anchor="t">
               <a:noAutofit/>
             </a:bodyPr>
             <a:p>
@@ -18815,9 +18626,9 @@
         <p:grpSpPr>
           <a:xfrm>
             <a:off x="2027880" y="2982960"/>
-            <a:ext cx="742320" cy="636120"/>
+            <a:ext cx="741960" cy="635760"/>
             <a:chOff x="2027880" y="2982960"/>
-            <a:chExt cx="742320" cy="636120"/>
+            <a:chExt cx="741960" cy="635760"/>
           </a:xfrm>
         </p:grpSpPr>
         <p:sp>
@@ -18829,7 +18640,7 @@
           <p:spPr>
             <a:xfrm>
               <a:off x="2263680" y="3301560"/>
-              <a:ext cx="270360" cy="317520"/>
+              <a:ext cx="270000" cy="317160"/>
             </a:xfrm>
             <a:prstGeom prst="flowChartConnector">
               <a:avLst/>
@@ -18860,7 +18671,7 @@
           <p:spPr>
             <a:xfrm>
               <a:off x="2027880" y="2982960"/>
-              <a:ext cx="742320" cy="317520"/>
+              <a:ext cx="741960" cy="317160"/>
             </a:xfrm>
             <a:prstGeom prst="rect">
               <a:avLst/>
@@ -18877,7 +18688,7 @@
             <a:fontRef idx="minor"/>
           </p:style>
           <p:txBody>
-            <a:bodyPr lIns="90000" rIns="90000" tIns="182880" bIns="182880" anchor="t">
+            <a:bodyPr lIns="90000" rIns="90000" tIns="317520" bIns="317520" anchor="t">
               <a:noAutofit/>
             </a:bodyPr>
             <a:p>
@@ -18912,8 +18723,8 @@
         </p:nvSpPr>
         <p:spPr>
           <a:xfrm rot="10800000">
-            <a:off x="2508120" y="2473920"/>
-            <a:ext cx="4305600" cy="158400"/>
+            <a:off x="2508480" y="2473920"/>
+            <a:ext cx="4305240" cy="158040"/>
           </a:xfrm>
           <a:prstGeom prst="curvedConnector3">
             <a:avLst>
@@ -18944,8 +18755,8 @@
         </p:nvSpPr>
         <p:spPr>
           <a:xfrm rot="10800000">
-            <a:off x="2536200" y="3461400"/>
-            <a:ext cx="3857400" cy="78480"/>
+            <a:off x="2536560" y="3461760"/>
+            <a:ext cx="3857040" cy="78120"/>
           </a:xfrm>
           <a:prstGeom prst="curvedConnector3">
             <a:avLst>
@@ -18976,8 +18787,8 @@
         </p:nvSpPr>
         <p:spPr>
           <a:xfrm flipH="1">
-            <a:off x="1996560" y="4177800"/>
-            <a:ext cx="4815360" cy="360"/>
+            <a:off x="1995840" y="4177800"/>
+            <a:ext cx="4815000" cy="360"/>
           </a:xfrm>
           <a:prstGeom prst="curvedConnector3">
             <a:avLst>
@@ -19008,8 +18819,8 @@
         </p:nvSpPr>
         <p:spPr>
           <a:xfrm rot="5400000">
-            <a:off x="4690440" y="2465640"/>
-            <a:ext cx="388800" cy="4129200"/>
+            <a:off x="4690800" y="2465280"/>
+            <a:ext cx="388440" cy="4128840"/>
           </a:xfrm>
           <a:prstGeom prst="curvedConnector2">
             <a:avLst/>
@@ -19039,7 +18850,7 @@
         <p:spPr>
           <a:xfrm>
             <a:off x="2625120" y="5115240"/>
-            <a:ext cx="3814920" cy="351000"/>
+            <a:ext cx="3814560" cy="350640"/>
           </a:xfrm>
           <a:prstGeom prst="rect">
             <a:avLst/>
@@ -19056,7 +18867,7 @@
           <a:fontRef idx="minor"/>
         </p:style>
         <p:txBody>
-          <a:bodyPr lIns="90000" rIns="90000" tIns="182880" bIns="182880" anchor="t">
+          <a:bodyPr lIns="90000" rIns="90000" tIns="351360" bIns="351360" anchor="t">
             <a:noAutofit/>
           </a:bodyPr>
           <a:p>
@@ -19131,7 +18942,7 @@
         <p:spPr>
           <a:xfrm>
             <a:off x="399960" y="358200"/>
-            <a:ext cx="8519400" cy="571680"/>
+            <a:ext cx="8519040" cy="571320"/>
           </a:xfrm>
           <a:prstGeom prst="rect">
             <a:avLst/>
@@ -19183,7 +18994,7 @@
         <p:spPr>
           <a:xfrm>
             <a:off x="1179720" y="1996200"/>
-            <a:ext cx="2358720" cy="3060000"/>
+            <a:ext cx="2358360" cy="3059640"/>
           </a:xfrm>
           <a:prstGeom prst="ellipse">
             <a:avLst/>
@@ -19214,9 +19025,9 @@
         <p:grpSpPr>
           <a:xfrm>
             <a:off x="1930320" y="1996200"/>
-            <a:ext cx="937440" cy="636120"/>
+            <a:ext cx="937080" cy="635760"/>
             <a:chOff x="1930320" y="1996200"/>
-            <a:chExt cx="937440" cy="636120"/>
+            <a:chExt cx="937080" cy="635760"/>
           </a:xfrm>
         </p:grpSpPr>
         <p:sp>
@@ -19228,7 +19039,7 @@
           <p:spPr>
             <a:xfrm>
               <a:off x="2235600" y="2314800"/>
-              <a:ext cx="270360" cy="317520"/>
+              <a:ext cx="270000" cy="317160"/>
             </a:xfrm>
             <a:prstGeom prst="flowChartConnector">
               <a:avLst/>
@@ -19259,7 +19070,7 @@
           <p:spPr>
             <a:xfrm>
               <a:off x="1930320" y="1996200"/>
-              <a:ext cx="937440" cy="317520"/>
+              <a:ext cx="937080" cy="317160"/>
             </a:xfrm>
             <a:prstGeom prst="rect">
               <a:avLst/>
@@ -19276,7 +19087,7 @@
             <a:fontRef idx="minor"/>
           </p:style>
           <p:txBody>
-            <a:bodyPr lIns="90000" rIns="90000" tIns="182880" bIns="182880" anchor="t">
+            <a:bodyPr lIns="90000" rIns="90000" tIns="317520" bIns="317520" anchor="t">
               <a:noAutofit/>
             </a:bodyPr>
             <a:p>
@@ -19312,9 +19123,9 @@
         <p:grpSpPr>
           <a:xfrm>
             <a:off x="1489680" y="3699720"/>
-            <a:ext cx="742320" cy="636120"/>
+            <a:ext cx="741960" cy="635760"/>
             <a:chOff x="1489680" y="3699720"/>
-            <a:chExt cx="742320" cy="636120"/>
+            <a:chExt cx="741960" cy="635760"/>
           </a:xfrm>
         </p:grpSpPr>
         <p:sp>
@@ -19326,7 +19137,7 @@
           <p:spPr>
             <a:xfrm>
               <a:off x="1725840" y="4018320"/>
-              <a:ext cx="270360" cy="317520"/>
+              <a:ext cx="270000" cy="317160"/>
             </a:xfrm>
             <a:prstGeom prst="flowChartConnector">
               <a:avLst/>
@@ -19357,7 +19168,7 @@
           <p:spPr>
             <a:xfrm>
               <a:off x="1489680" y="3699720"/>
-              <a:ext cx="742320" cy="317520"/>
+              <a:ext cx="741960" cy="317160"/>
             </a:xfrm>
             <a:prstGeom prst="rect">
               <a:avLst/>
@@ -19374,7 +19185,7 @@
             <a:fontRef idx="minor"/>
           </p:style>
           <p:txBody>
-            <a:bodyPr lIns="90000" rIns="90000" tIns="182880" bIns="182880" anchor="t">
+            <a:bodyPr lIns="90000" rIns="90000" tIns="317520" bIns="317520" anchor="t">
               <a:noAutofit/>
             </a:bodyPr>
             <a:p>
@@ -19410,9 +19221,9 @@
         <p:grpSpPr>
           <a:xfrm>
             <a:off x="2311560" y="4248720"/>
-            <a:ext cx="742320" cy="636120"/>
+            <a:ext cx="741960" cy="635760"/>
             <a:chOff x="2311560" y="4248720"/>
-            <a:chExt cx="742320" cy="636120"/>
+            <a:chExt cx="741960" cy="635760"/>
           </a:xfrm>
         </p:grpSpPr>
         <p:sp>
@@ -19424,7 +19235,7 @@
           <p:spPr>
             <a:xfrm>
               <a:off x="2547360" y="4567320"/>
-              <a:ext cx="270360" cy="317520"/>
+              <a:ext cx="270000" cy="317160"/>
             </a:xfrm>
             <a:prstGeom prst="flowChartConnector">
               <a:avLst/>
@@ -19455,7 +19266,7 @@
           <p:spPr>
             <a:xfrm>
               <a:off x="2311560" y="4248720"/>
-              <a:ext cx="742320" cy="317520"/>
+              <a:ext cx="741960" cy="317160"/>
             </a:xfrm>
             <a:prstGeom prst="rect">
               <a:avLst/>
@@ -19472,7 +19283,7 @@
             <a:fontRef idx="minor"/>
           </p:style>
           <p:txBody>
-            <a:bodyPr lIns="90000" rIns="90000" tIns="182880" bIns="182880" anchor="t">
+            <a:bodyPr lIns="90000" rIns="90000" tIns="317520" bIns="317520" anchor="t">
               <a:noAutofit/>
             </a:bodyPr>
             <a:p>
@@ -19508,7 +19319,7 @@
         <p:spPr>
           <a:xfrm>
             <a:off x="5769360" y="1996200"/>
-            <a:ext cx="2358720" cy="3060000"/>
+            <a:ext cx="2358360" cy="3059640"/>
           </a:xfrm>
           <a:prstGeom prst="ellipse">
             <a:avLst/>
@@ -19539,9 +19350,9 @@
         <p:grpSpPr>
           <a:xfrm>
             <a:off x="6577560" y="2155680"/>
-            <a:ext cx="742320" cy="636120"/>
+            <a:ext cx="741960" cy="635760"/>
             <a:chOff x="6577560" y="2155680"/>
-            <a:chExt cx="742320" cy="636120"/>
+            <a:chExt cx="741960" cy="635760"/>
           </a:xfrm>
         </p:grpSpPr>
         <p:sp>
@@ -19553,7 +19364,7 @@
           <p:spPr>
             <a:xfrm>
               <a:off x="6813720" y="2474280"/>
-              <a:ext cx="270360" cy="317520"/>
+              <a:ext cx="270000" cy="317160"/>
             </a:xfrm>
             <a:prstGeom prst="flowChartConnector">
               <a:avLst/>
@@ -19584,7 +19395,7 @@
           <p:spPr>
             <a:xfrm>
               <a:off x="6577560" y="2155680"/>
-              <a:ext cx="742320" cy="317520"/>
+              <a:ext cx="741960" cy="317160"/>
             </a:xfrm>
             <a:prstGeom prst="rect">
               <a:avLst/>
@@ -19601,7 +19412,7 @@
             <a:fontRef idx="minor"/>
           </p:style>
           <p:txBody>
-            <a:bodyPr lIns="90000" rIns="90000" tIns="182880" bIns="182880" anchor="t">
+            <a:bodyPr lIns="90000" rIns="90000" tIns="317520" bIns="317520" anchor="t">
               <a:noAutofit/>
             </a:bodyPr>
             <a:p>
@@ -19637,9 +19448,9 @@
         <p:grpSpPr>
           <a:xfrm>
             <a:off x="6577560" y="3699720"/>
-            <a:ext cx="742320" cy="636120"/>
+            <a:ext cx="741960" cy="635760"/>
             <a:chOff x="6577560" y="3699720"/>
-            <a:chExt cx="742320" cy="636120"/>
+            <a:chExt cx="741960" cy="635760"/>
           </a:xfrm>
         </p:grpSpPr>
         <p:sp>
@@ -19651,7 +19462,7 @@
           <p:spPr>
             <a:xfrm>
               <a:off x="6813720" y="4018320"/>
-              <a:ext cx="270360" cy="317520"/>
+              <a:ext cx="270000" cy="317160"/>
             </a:xfrm>
             <a:prstGeom prst="flowChartConnector">
               <a:avLst/>
@@ -19682,7 +19493,7 @@
           <p:spPr>
             <a:xfrm>
               <a:off x="6577560" y="3699720"/>
-              <a:ext cx="742320" cy="317520"/>
+              <a:ext cx="741960" cy="317160"/>
             </a:xfrm>
             <a:prstGeom prst="rect">
               <a:avLst/>
@@ -19699,7 +19510,7 @@
             <a:fontRef idx="minor"/>
           </p:style>
           <p:txBody>
-            <a:bodyPr lIns="90000" rIns="90000" tIns="182880" bIns="182880" anchor="t">
+            <a:bodyPr lIns="90000" rIns="90000" tIns="317520" bIns="317520" anchor="t">
               <a:noAutofit/>
             </a:bodyPr>
             <a:p>
@@ -19746,7 +19557,7 @@
         <p:spPr>
           <a:xfrm>
             <a:off x="2507400" y="2474280"/>
-            <a:ext cx="4305600" cy="158400"/>
+            <a:ext cx="4305240" cy="158040"/>
           </a:xfrm>
           <a:custGeom>
             <a:avLst/>
@@ -19789,7 +19600,7 @@
         <p:spPr>
           <a:xfrm>
             <a:off x="1997280" y="4177800"/>
-            <a:ext cx="4815360" cy="360"/>
+            <a:ext cx="4815000" cy="360"/>
           </a:xfrm>
           <a:custGeom>
             <a:avLst/>
@@ -19831,8 +19642,8 @@
         </p:nvSpPr>
         <p:spPr>
           <a:xfrm flipH="1" rot="10800000">
-            <a:off x="2819160" y="4178880"/>
-            <a:ext cx="3993840" cy="547920"/>
+            <a:off x="2818800" y="4179240"/>
+            <a:ext cx="3993480" cy="547560"/>
           </a:xfrm>
           <a:custGeom>
             <a:avLst/>
@@ -19875,7 +19686,7 @@
         <p:spPr>
           <a:xfrm>
             <a:off x="2625120" y="5115240"/>
-            <a:ext cx="3814920" cy="351000"/>
+            <a:ext cx="3814560" cy="350640"/>
           </a:xfrm>
           <a:prstGeom prst="rect">
             <a:avLst/>
@@ -19892,7 +19703,7 @@
           <a:fontRef idx="minor"/>
         </p:style>
         <p:txBody>
-          <a:bodyPr lIns="90000" rIns="90000" tIns="182880" bIns="182880" anchor="t">
+          <a:bodyPr lIns="90000" rIns="90000" tIns="351360" bIns="351360" anchor="t">
             <a:noAutofit/>
           </a:bodyPr>
           <a:p>
@@ -19947,9 +19758,9 @@
         <p:grpSpPr>
           <a:xfrm>
             <a:off x="6157440" y="3062520"/>
-            <a:ext cx="742320" cy="636120"/>
+            <a:ext cx="741960" cy="635760"/>
             <a:chOff x="6157440" y="3062520"/>
-            <a:chExt cx="742320" cy="636120"/>
+            <a:chExt cx="741960" cy="635760"/>
           </a:xfrm>
         </p:grpSpPr>
         <p:sp>
@@ -19961,7 +19772,7 @@
           <p:spPr>
             <a:xfrm>
               <a:off x="6393600" y="3381120"/>
-              <a:ext cx="270360" cy="317520"/>
+              <a:ext cx="270000" cy="317160"/>
             </a:xfrm>
             <a:prstGeom prst="flowChartConnector">
               <a:avLst/>
@@ -19992,7 +19803,7 @@
           <p:spPr>
             <a:xfrm>
               <a:off x="6157440" y="3062520"/>
-              <a:ext cx="742320" cy="317520"/>
+              <a:ext cx="741960" cy="317160"/>
             </a:xfrm>
             <a:prstGeom prst="rect">
               <a:avLst/>
@@ -20009,7 +19820,7 @@
             <a:fontRef idx="minor"/>
           </p:style>
           <p:txBody>
-            <a:bodyPr lIns="90000" rIns="90000" tIns="182880" bIns="182880" anchor="t">
+            <a:bodyPr lIns="90000" rIns="90000" tIns="317520" bIns="317520" anchor="t">
               <a:noAutofit/>
             </a:bodyPr>
             <a:p>
@@ -20045,9 +19856,9 @@
         <p:grpSpPr>
           <a:xfrm>
             <a:off x="2027880" y="2982960"/>
-            <a:ext cx="742320" cy="636120"/>
+            <a:ext cx="741960" cy="635760"/>
             <a:chOff x="2027880" y="2982960"/>
-            <a:chExt cx="742320" cy="636120"/>
+            <a:chExt cx="741960" cy="635760"/>
           </a:xfrm>
         </p:grpSpPr>
         <p:sp>
@@ -20059,7 +19870,7 @@
           <p:spPr>
             <a:xfrm>
               <a:off x="2263680" y="3301560"/>
-              <a:ext cx="270360" cy="317520"/>
+              <a:ext cx="270000" cy="317160"/>
             </a:xfrm>
             <a:prstGeom prst="flowChartConnector">
               <a:avLst/>
@@ -20090,7 +19901,7 @@
           <p:spPr>
             <a:xfrm>
               <a:off x="2027880" y="2982960"/>
-              <a:ext cx="742320" cy="317520"/>
+              <a:ext cx="741960" cy="317160"/>
             </a:xfrm>
             <a:prstGeom prst="rect">
               <a:avLst/>
@@ -20107,7 +19918,7 @@
             <a:fontRef idx="minor"/>
           </p:style>
           <p:txBody>
-            <a:bodyPr lIns="90000" rIns="90000" tIns="182880" bIns="182880" anchor="t">
+            <a:bodyPr lIns="90000" rIns="90000" tIns="317520" bIns="317520" anchor="t">
               <a:noAutofit/>
             </a:bodyPr>
             <a:p>
@@ -20143,7 +19954,7 @@
         <p:spPr>
           <a:xfrm>
             <a:off x="2535120" y="3461040"/>
-            <a:ext cx="3857400" cy="78480"/>
+            <a:ext cx="3857040" cy="78120"/>
           </a:xfrm>
           <a:custGeom>
             <a:avLst/>
@@ -20216,7 +20027,7 @@
         <p:spPr>
           <a:xfrm>
             <a:off x="311760" y="640440"/>
-            <a:ext cx="8519400" cy="571680"/>
+            <a:ext cx="8519040" cy="571320"/>
           </a:xfrm>
           <a:prstGeom prst="rect">
             <a:avLst/>
@@ -20268,7 +20079,7 @@
         <p:spPr>
           <a:xfrm>
             <a:off x="311760" y="2009880"/>
-            <a:ext cx="8519400" cy="3415320"/>
+            <a:ext cx="8519040" cy="3414960"/>
           </a:xfrm>
           <a:prstGeom prst="rect">
             <a:avLst/>
@@ -20429,7 +20240,7 @@
         <p:spPr>
           <a:xfrm>
             <a:off x="311760" y="640440"/>
-            <a:ext cx="8519400" cy="571680"/>
+            <a:ext cx="8519040" cy="571320"/>
           </a:xfrm>
           <a:prstGeom prst="rect">
             <a:avLst/>
@@ -20481,7 +20292,7 @@
         <p:spPr>
           <a:xfrm>
             <a:off x="311760" y="2009880"/>
-            <a:ext cx="8519400" cy="3415320"/>
+            <a:ext cx="8519040" cy="3414960"/>
           </a:xfrm>
           <a:prstGeom prst="rect">
             <a:avLst/>
@@ -20614,7 +20425,7 @@
         <p:spPr>
           <a:xfrm>
             <a:off x="311760" y="759960"/>
-            <a:ext cx="8519400" cy="571680"/>
+            <a:ext cx="8519040" cy="571320"/>
           </a:xfrm>
           <a:prstGeom prst="rect">
             <a:avLst/>
@@ -20669,7 +20480,7 @@
         <p:spPr>
           <a:xfrm>
             <a:off x="311760" y="2009880"/>
-            <a:ext cx="8519400" cy="794520"/>
+            <a:ext cx="8519040" cy="794160"/>
           </a:xfrm>
           <a:prstGeom prst="rect">
             <a:avLst/>
@@ -20738,7 +20549,7 @@
         <p:spPr>
           <a:xfrm>
             <a:off x="311760" y="2940120"/>
-            <a:ext cx="8519400" cy="2173320"/>
+            <a:ext cx="8519040" cy="2172960"/>
           </a:xfrm>
           <a:prstGeom prst="rect">
             <a:avLst/>
